--- a/ProjectInfo/Presentation.pptx
+++ b/ProjectInfo/Presentation.pptx
@@ -5,17 +5,19 @@
     <p:sldMasterId id="2147483648" r:id="rId1"/>
   </p:sldMasterIdLst>
   <p:notesMasterIdLst>
-    <p:notesMasterId r:id="rId10"/>
+    <p:notesMasterId r:id="rId12"/>
   </p:notesMasterIdLst>
   <p:sldIdLst>
     <p:sldId id="258" r:id="rId2"/>
     <p:sldId id="259" r:id="rId3"/>
     <p:sldId id="256" r:id="rId4"/>
     <p:sldId id="260" r:id="rId5"/>
-    <p:sldId id="261" r:id="rId6"/>
-    <p:sldId id="262" r:id="rId7"/>
-    <p:sldId id="263" r:id="rId8"/>
-    <p:sldId id="264" r:id="rId9"/>
+    <p:sldId id="265" r:id="rId6"/>
+    <p:sldId id="266" r:id="rId7"/>
+    <p:sldId id="261" r:id="rId8"/>
+    <p:sldId id="262" r:id="rId9"/>
+    <p:sldId id="263" r:id="rId10"/>
+    <p:sldId id="264" r:id="rId11"/>
   </p:sldIdLst>
   <p:sldSz cx="12192000" cy="6858000"/>
   <p:notesSz cx="6858000" cy="9144000"/>
@@ -215,7 +217,7 @@
           <a:p>
             <a:fld id="{0BD18243-4ECE-4B63-9597-9C6A5FB88A33}" type="datetimeFigureOut">
               <a:rPr lang="en-US" smtClean="0"/>
-              <a:t>7/10/2025</a:t>
+              <a:t>7/15/2025</a:t>
             </a:fld>
             <a:endParaRPr lang="en-US"/>
           </a:p>
@@ -629,7 +631,7 @@
           <a:p>
             <a:fld id="{7FF9C854-8941-4166-9A25-1A157B71C47E}" type="datetime1">
               <a:rPr lang="en-US" smtClean="0"/>
-              <a:t>7/10/2025</a:t>
+              <a:t>7/15/2025</a:t>
             </a:fld>
             <a:endParaRPr lang="en-US"/>
           </a:p>
@@ -827,7 +829,7 @@
           <a:p>
             <a:fld id="{7918B07C-8A5E-470E-884B-DC1ED9C4A1BF}" type="datetime1">
               <a:rPr lang="en-US" smtClean="0"/>
-              <a:t>7/10/2025</a:t>
+              <a:t>7/15/2025</a:t>
             </a:fld>
             <a:endParaRPr lang="en-US"/>
           </a:p>
@@ -1035,7 +1037,7 @@
           <a:p>
             <a:fld id="{B8C272E1-AB0E-41EE-8156-B3B5DC9609AA}" type="datetime1">
               <a:rPr lang="en-US" smtClean="0"/>
-              <a:t>7/10/2025</a:t>
+              <a:t>7/15/2025</a:t>
             </a:fld>
             <a:endParaRPr lang="en-US"/>
           </a:p>
@@ -1233,7 +1235,7 @@
           <a:p>
             <a:fld id="{8CCFF2CF-D6E1-46D4-9E00-A2D7EB3235DC}" type="datetime1">
               <a:rPr lang="en-US" smtClean="0"/>
-              <a:t>7/10/2025</a:t>
+              <a:t>7/15/2025</a:t>
             </a:fld>
             <a:endParaRPr lang="en-US"/>
           </a:p>
@@ -1508,7 +1510,7 @@
           <a:p>
             <a:fld id="{9F321385-7735-4FF9-B4C2-98FE7537335F}" type="datetime1">
               <a:rPr lang="en-US" smtClean="0"/>
-              <a:t>7/10/2025</a:t>
+              <a:t>7/15/2025</a:t>
             </a:fld>
             <a:endParaRPr lang="en-US"/>
           </a:p>
@@ -1773,7 +1775,7 @@
           <a:p>
             <a:fld id="{55680E5C-2969-4F41-AB57-307A7D92F124}" type="datetime1">
               <a:rPr lang="en-US" smtClean="0"/>
-              <a:t>7/10/2025</a:t>
+              <a:t>7/15/2025</a:t>
             </a:fld>
             <a:endParaRPr lang="en-US"/>
           </a:p>
@@ -2185,7 +2187,7 @@
           <a:p>
             <a:fld id="{6DE1D234-E99B-472C-9BCC-87537EBB2A92}" type="datetime1">
               <a:rPr lang="en-US" smtClean="0"/>
-              <a:t>7/10/2025</a:t>
+              <a:t>7/15/2025</a:t>
             </a:fld>
             <a:endParaRPr lang="en-US"/>
           </a:p>
@@ -2326,7 +2328,7 @@
           <a:p>
             <a:fld id="{2EBDCB28-FFE5-4491-A428-C4E68F8C263E}" type="datetime1">
               <a:rPr lang="en-US" smtClean="0"/>
-              <a:t>7/10/2025</a:t>
+              <a:t>7/15/2025</a:t>
             </a:fld>
             <a:endParaRPr lang="en-US"/>
           </a:p>
@@ -2439,7 +2441,7 @@
           <a:p>
             <a:fld id="{EFC144ED-FA14-4BA5-A642-28954DA157A1}" type="datetime1">
               <a:rPr lang="en-US" smtClean="0"/>
-              <a:t>7/10/2025</a:t>
+              <a:t>7/15/2025</a:t>
             </a:fld>
             <a:endParaRPr lang="en-US"/>
           </a:p>
@@ -2750,7 +2752,7 @@
           <a:p>
             <a:fld id="{4B56549F-CC9D-4D8F-98AD-DD73E43475B5}" type="datetime1">
               <a:rPr lang="en-US" smtClean="0"/>
-              <a:t>7/10/2025</a:t>
+              <a:t>7/15/2025</a:t>
             </a:fld>
             <a:endParaRPr lang="en-US"/>
           </a:p>
@@ -3038,7 +3040,7 @@
           <a:p>
             <a:fld id="{CD1EB22D-BCCC-43A5-AF73-6C745F6B2770}" type="datetime1">
               <a:rPr lang="en-US" smtClean="0"/>
-              <a:t>7/10/2025</a:t>
+              <a:t>7/15/2025</a:t>
             </a:fld>
             <a:endParaRPr lang="en-US"/>
           </a:p>
@@ -3279,7 +3281,7 @@
           <a:p>
             <a:fld id="{A5B2B531-6FA2-49D5-B9DB-968DD9D22B8C}" type="datetime1">
               <a:rPr lang="en-US" smtClean="0"/>
-              <a:t>7/10/2025</a:t>
+              <a:t>7/15/2025</a:t>
             </a:fld>
             <a:endParaRPr lang="en-US"/>
           </a:p>
@@ -3977,10 +3979,383 @@
           </a:p>
         </p:txBody>
       </p:sp>
+      <p:pic>
+        <p:nvPicPr>
+          <p:cNvPr id="7" name="Picture 6" descr="A logo with a yellow and black design&#10;&#10;AI-generated content may be incorrect.">
+            <a:extLst>
+              <a:ext uri="{FF2B5EF4-FFF2-40B4-BE49-F238E27FC236}">
+                <a16:creationId xmlns:a16="http://schemas.microsoft.com/office/drawing/2014/main" id="{37E4DB23-9776-CB17-8BD6-3D2FFD26E42D}"/>
+              </a:ext>
+            </a:extLst>
+          </p:cNvPr>
+          <p:cNvPicPr>
+            <a:picLocks noChangeAspect="1"/>
+          </p:cNvPicPr>
+          <p:nvPr/>
+        </p:nvPicPr>
+        <p:blipFill>
+          <a:blip r:embed="rId4">
+            <a:extLst>
+              <a:ext uri="{28A0092B-C50C-407E-A947-70E740481C1C}">
+                <a14:useLocalDpi xmlns:a14="http://schemas.microsoft.com/office/drawing/2010/main" val="0"/>
+              </a:ext>
+            </a:extLst>
+          </a:blip>
+          <a:stretch>
+            <a:fillRect/>
+          </a:stretch>
+        </p:blipFill>
+        <p:spPr>
+          <a:xfrm>
+            <a:off x="9372600" y="2283767"/>
+            <a:ext cx="2290465" cy="2290465"/>
+          </a:xfrm>
+          <a:prstGeom prst="rect">
+            <a:avLst/>
+          </a:prstGeom>
+        </p:spPr>
+      </p:pic>
     </p:spTree>
     <p:extLst>
       <p:ext uri="{BB962C8B-B14F-4D97-AF65-F5344CB8AC3E}">
         <p14:creationId xmlns:p14="http://schemas.microsoft.com/office/powerpoint/2010/main" val="3799621186"/>
+      </p:ext>
+    </p:extLst>
+  </p:cSld>
+  <p:clrMapOvr>
+    <a:masterClrMapping/>
+  </p:clrMapOvr>
+</p:sld>
+</file>
+
+<file path=ppt/slides/slide10.xml><?xml version="1.0" encoding="utf-8"?>
+<p:sld xmlns:a="http://schemas.openxmlformats.org/drawingml/2006/main" xmlns:r="http://schemas.openxmlformats.org/officeDocument/2006/relationships" xmlns:p="http://schemas.openxmlformats.org/presentationml/2006/main">
+  <p:cSld>
+    <p:spTree>
+      <p:nvGrpSpPr>
+        <p:cNvPr id="1" name="">
+          <a:extLst>
+            <a:ext uri="{FF2B5EF4-FFF2-40B4-BE49-F238E27FC236}">
+              <a16:creationId xmlns:a16="http://schemas.microsoft.com/office/drawing/2014/main" id="{5148824E-8942-7E85-676B-DBA7C3D83490}"/>
+            </a:ext>
+          </a:extLst>
+        </p:cNvPr>
+        <p:cNvGrpSpPr/>
+        <p:nvPr/>
+      </p:nvGrpSpPr>
+      <p:grpSpPr>
+        <a:xfrm>
+          <a:off x="0" y="0"/>
+          <a:ext cx="0" cy="0"/>
+          <a:chOff x="0" y="0"/>
+          <a:chExt cx="0" cy="0"/>
+        </a:xfrm>
+      </p:grpSpPr>
+      <p:grpSp>
+        <p:nvGrpSpPr>
+          <p:cNvPr id="12" name="Group 11">
+            <a:extLst>
+              <a:ext uri="{FF2B5EF4-FFF2-40B4-BE49-F238E27FC236}">
+                <a16:creationId xmlns:a16="http://schemas.microsoft.com/office/drawing/2014/main" id="{9A878D94-1D22-6DDC-8CFB-9BD403A08CD9}"/>
+              </a:ext>
+            </a:extLst>
+          </p:cNvPr>
+          <p:cNvGrpSpPr/>
+          <p:nvPr/>
+        </p:nvGrpSpPr>
+        <p:grpSpPr>
+          <a:xfrm>
+            <a:off x="-24384" y="0"/>
+            <a:ext cx="11606784" cy="6858000"/>
+            <a:chOff x="-24384" y="0"/>
+            <a:chExt cx="11606784" cy="6858000"/>
+          </a:xfrm>
+        </p:grpSpPr>
+        <p:sp>
+          <p:nvSpPr>
+            <p:cNvPr id="7" name="TextBox 6">
+              <a:extLst>
+                <a:ext uri="{FF2B5EF4-FFF2-40B4-BE49-F238E27FC236}">
+                  <a16:creationId xmlns:a16="http://schemas.microsoft.com/office/drawing/2014/main" id="{43F237A4-EBD6-9464-17AC-69F653E69525}"/>
+                </a:ext>
+              </a:extLst>
+            </p:cNvPr>
+            <p:cNvSpPr txBox="1"/>
+            <p:nvPr/>
+          </p:nvSpPr>
+          <p:spPr>
+            <a:xfrm>
+              <a:off x="1066800" y="476934"/>
+              <a:ext cx="10515600" cy="646331"/>
+            </a:xfrm>
+            <a:prstGeom prst="rect">
+              <a:avLst/>
+            </a:prstGeom>
+            <a:noFill/>
+          </p:spPr>
+          <p:txBody>
+            <a:bodyPr wrap="square">
+              <a:spAutoFit/>
+            </a:bodyPr>
+            <a:lstStyle/>
+            <a:p>
+              <a:r>
+                <a:rPr lang="en-US" sz="3600" b="1" dirty="0">
+                  <a:solidFill>
+                    <a:srgbClr val="22505F"/>
+                  </a:solidFill>
+                  <a:latin typeface="TrebuchetMS-Bold"/>
+                </a:rPr>
+                <a:t>Perspectives</a:t>
+              </a:r>
+              <a:endParaRPr lang="en-US" sz="3600" b="1" i="0" dirty="0">
+                <a:solidFill>
+                  <a:srgbClr val="22505F"/>
+                </a:solidFill>
+                <a:effectLst/>
+                <a:latin typeface="TrebuchetMS-Bold"/>
+              </a:endParaRPr>
+            </a:p>
+          </p:txBody>
+        </p:sp>
+        <p:grpSp>
+          <p:nvGrpSpPr>
+            <p:cNvPr id="11" name="Group 10">
+              <a:extLst>
+                <a:ext uri="{FF2B5EF4-FFF2-40B4-BE49-F238E27FC236}">
+                  <a16:creationId xmlns:a16="http://schemas.microsoft.com/office/drawing/2014/main" id="{5698CCFC-5A8A-1356-8D57-DE6AB7BA0434}"/>
+                </a:ext>
+              </a:extLst>
+            </p:cNvPr>
+            <p:cNvGrpSpPr/>
+            <p:nvPr/>
+          </p:nvGrpSpPr>
+          <p:grpSpPr>
+            <a:xfrm>
+              <a:off x="-24384" y="0"/>
+              <a:ext cx="11454384" cy="6858000"/>
+              <a:chOff x="-24384" y="0"/>
+              <a:chExt cx="11454384" cy="6858000"/>
+            </a:xfrm>
+          </p:grpSpPr>
+          <p:grpSp>
+            <p:nvGrpSpPr>
+              <p:cNvPr id="10" name="Group 9">
+                <a:extLst>
+                  <a:ext uri="{FF2B5EF4-FFF2-40B4-BE49-F238E27FC236}">
+                    <a16:creationId xmlns:a16="http://schemas.microsoft.com/office/drawing/2014/main" id="{C7DD409C-70B5-4C45-2F00-699986C9EA69}"/>
+                  </a:ext>
+                </a:extLst>
+              </p:cNvPr>
+              <p:cNvGrpSpPr/>
+              <p:nvPr/>
+            </p:nvGrpSpPr>
+            <p:grpSpPr>
+              <a:xfrm>
+                <a:off x="-24384" y="0"/>
+                <a:ext cx="228600" cy="6858000"/>
+                <a:chOff x="-24384" y="0"/>
+                <a:chExt cx="228600" cy="6858000"/>
+              </a:xfrm>
+            </p:grpSpPr>
+            <p:sp>
+              <p:nvSpPr>
+                <p:cNvPr id="4" name="Rectangle 3">
+                  <a:extLst>
+                    <a:ext uri="{FF2B5EF4-FFF2-40B4-BE49-F238E27FC236}">
+                      <a16:creationId xmlns:a16="http://schemas.microsoft.com/office/drawing/2014/main" id="{1E4B4131-D51E-3997-C59E-FFCC01E16D02}"/>
+                    </a:ext>
+                  </a:extLst>
+                </p:cNvPr>
+                <p:cNvSpPr/>
+                <p:nvPr/>
+              </p:nvSpPr>
+              <p:spPr>
+                <a:xfrm>
+                  <a:off x="-24384" y="1600200"/>
+                  <a:ext cx="228600" cy="5257800"/>
+                </a:xfrm>
+                <a:prstGeom prst="rect">
+                  <a:avLst/>
+                </a:prstGeom>
+                <a:solidFill>
+                  <a:srgbClr val="224C5A"/>
+                </a:solidFill>
+                <a:ln>
+                  <a:noFill/>
+                </a:ln>
+              </p:spPr>
+              <p:style>
+                <a:lnRef idx="2">
+                  <a:schemeClr val="accent1">
+                    <a:shade val="15000"/>
+                  </a:schemeClr>
+                </a:lnRef>
+                <a:fillRef idx="1">
+                  <a:schemeClr val="accent1"/>
+                </a:fillRef>
+                <a:effectRef idx="0">
+                  <a:schemeClr val="accent1"/>
+                </a:effectRef>
+                <a:fontRef idx="minor">
+                  <a:schemeClr val="lt1"/>
+                </a:fontRef>
+              </p:style>
+              <p:txBody>
+                <a:bodyPr rtlCol="0" anchor="ctr"/>
+                <a:lstStyle/>
+                <a:p>
+                  <a:pPr algn="ctr"/>
+                  <a:endParaRPr lang="en-US" dirty="0"/>
+                </a:p>
+              </p:txBody>
+            </p:sp>
+            <p:sp>
+              <p:nvSpPr>
+                <p:cNvPr id="5" name="Rectangle 4">
+                  <a:extLst>
+                    <a:ext uri="{FF2B5EF4-FFF2-40B4-BE49-F238E27FC236}">
+                      <a16:creationId xmlns:a16="http://schemas.microsoft.com/office/drawing/2014/main" id="{6812604F-ED00-69C1-CCCD-EEBEB4F44BBB}"/>
+                    </a:ext>
+                  </a:extLst>
+                </p:cNvPr>
+                <p:cNvSpPr/>
+                <p:nvPr/>
+              </p:nvSpPr>
+              <p:spPr>
+                <a:xfrm>
+                  <a:off x="-24384" y="0"/>
+                  <a:ext cx="228600" cy="1600200"/>
+                </a:xfrm>
+                <a:prstGeom prst="rect">
+                  <a:avLst/>
+                </a:prstGeom>
+                <a:solidFill>
+                  <a:srgbClr val="F08A04"/>
+                </a:solidFill>
+                <a:ln>
+                  <a:noFill/>
+                </a:ln>
+              </p:spPr>
+              <p:style>
+                <a:lnRef idx="2">
+                  <a:schemeClr val="accent1">
+                    <a:shade val="15000"/>
+                  </a:schemeClr>
+                </a:lnRef>
+                <a:fillRef idx="1">
+                  <a:schemeClr val="accent1"/>
+                </a:fillRef>
+                <a:effectRef idx="0">
+                  <a:schemeClr val="accent1"/>
+                </a:effectRef>
+                <a:fontRef idx="minor">
+                  <a:schemeClr val="lt1"/>
+                </a:fontRef>
+              </p:style>
+              <p:txBody>
+                <a:bodyPr rtlCol="0" anchor="ctr"/>
+                <a:lstStyle/>
+                <a:p>
+                  <a:pPr algn="ctr"/>
+                  <a:endParaRPr lang="en-US"/>
+                </a:p>
+              </p:txBody>
+            </p:sp>
+          </p:grpSp>
+          <p:sp>
+            <p:nvSpPr>
+              <p:cNvPr id="9" name="TextBox 8">
+                <a:extLst>
+                  <a:ext uri="{FF2B5EF4-FFF2-40B4-BE49-F238E27FC236}">
+                    <a16:creationId xmlns:a16="http://schemas.microsoft.com/office/drawing/2014/main" id="{55783E28-CD9F-89D8-7982-C253A1C26386}"/>
+                  </a:ext>
+                </a:extLst>
+              </p:cNvPr>
+              <p:cNvSpPr txBox="1"/>
+              <p:nvPr/>
+            </p:nvSpPr>
+            <p:spPr>
+              <a:xfrm>
+                <a:off x="10668000" y="6172200"/>
+                <a:ext cx="762000" cy="369332"/>
+              </a:xfrm>
+              <a:prstGeom prst="rect">
+                <a:avLst/>
+              </a:prstGeom>
+              <a:noFill/>
+            </p:spPr>
+            <p:txBody>
+              <a:bodyPr wrap="square" rtlCol="0">
+                <a:spAutoFit/>
+              </a:bodyPr>
+              <a:lstStyle/>
+              <a:p>
+                <a:r>
+                  <a:rPr lang="en-US" dirty="0">
+                    <a:solidFill>
+                      <a:srgbClr val="F08A04"/>
+                    </a:solidFill>
+                    <a:latin typeface="TrebuchetMS-Bold"/>
+                  </a:rPr>
+                  <a:t>|page</a:t>
+                </a:r>
+              </a:p>
+            </p:txBody>
+          </p:sp>
+          <p:pic>
+            <p:nvPicPr>
+              <p:cNvPr id="1026" name="Picture 2" descr="Logo de Saipem aux formats PNG transparent et SVG vectorisé">
+                <a:extLst>
+                  <a:ext uri="{FF2B5EF4-FFF2-40B4-BE49-F238E27FC236}">
+                    <a16:creationId xmlns:a16="http://schemas.microsoft.com/office/drawing/2014/main" id="{866F9A0B-94C0-F2C0-22E8-931329247453}"/>
+                  </a:ext>
+                </a:extLst>
+              </p:cNvPr>
+              <p:cNvPicPr>
+                <a:picLocks noChangeAspect="1" noChangeArrowheads="1"/>
+              </p:cNvPicPr>
+              <p:nvPr/>
+            </p:nvPicPr>
+            <p:blipFill>
+              <a:blip r:embed="rId2">
+                <a:extLst>
+                  <a:ext uri="{28A0092B-C50C-407E-A947-70E740481C1C}">
+                    <a14:useLocalDpi xmlns:a14="http://schemas.microsoft.com/office/drawing/2010/main" val="0"/>
+                  </a:ext>
+                </a:extLst>
+              </a:blip>
+              <a:srcRect/>
+              <a:stretch>
+                <a:fillRect/>
+              </a:stretch>
+            </p:blipFill>
+            <p:spPr bwMode="auto">
+              <a:xfrm>
+                <a:off x="1066800" y="6172200"/>
+                <a:ext cx="1295400" cy="412740"/>
+              </a:xfrm>
+              <a:prstGeom prst="rect">
+                <a:avLst/>
+              </a:prstGeom>
+              <a:noFill/>
+              <a:extLst>
+                <a:ext uri="{909E8E84-426E-40DD-AFC4-6F175D3DCCD1}">
+                  <a14:hiddenFill xmlns:a14="http://schemas.microsoft.com/office/drawing/2010/main">
+                    <a:solidFill>
+                      <a:srgbClr val="FFFFFF"/>
+                    </a:solidFill>
+                  </a14:hiddenFill>
+                </a:ext>
+              </a:extLst>
+            </p:spPr>
+          </p:pic>
+        </p:grpSp>
+      </p:grpSp>
+    </p:spTree>
+    <p:extLst>
+      <p:ext uri="{BB962C8B-B14F-4D97-AF65-F5344CB8AC3E}">
+        <p14:creationId xmlns:p14="http://schemas.microsoft.com/office/powerpoint/2010/main" val="4001672700"/>
       </p:ext>
     </p:extLst>
   </p:cSld>
@@ -4311,6 +4686,170 @@
           </p:pic>
         </p:grpSp>
       </p:grpSp>
+      <p:pic>
+        <p:nvPicPr>
+          <p:cNvPr id="1028" name="Picture 4">
+            <a:extLst>
+              <a:ext uri="{FF2B5EF4-FFF2-40B4-BE49-F238E27FC236}">
+                <a16:creationId xmlns:a16="http://schemas.microsoft.com/office/drawing/2014/main" id="{84D68294-DC22-4F81-796F-B626F048CADE}"/>
+              </a:ext>
+            </a:extLst>
+          </p:cNvPr>
+          <p:cNvPicPr>
+            <a:picLocks noChangeAspect="1" noChangeArrowheads="1"/>
+          </p:cNvPicPr>
+          <p:nvPr/>
+        </p:nvPicPr>
+        <p:blipFill>
+          <a:blip r:embed="rId3">
+            <a:extLst>
+              <a:ext uri="{28A0092B-C50C-407E-A947-70E740481C1C}">
+                <a14:useLocalDpi xmlns:a14="http://schemas.microsoft.com/office/drawing/2010/main" val="0"/>
+              </a:ext>
+            </a:extLst>
+          </a:blip>
+          <a:srcRect/>
+          <a:stretch>
+            <a:fillRect/>
+          </a:stretch>
+        </p:blipFill>
+        <p:spPr bwMode="auto">
+          <a:xfrm>
+            <a:off x="533400" y="1943200"/>
+            <a:ext cx="5562600" cy="2971600"/>
+          </a:xfrm>
+          <a:prstGeom prst="rect">
+            <a:avLst/>
+          </a:prstGeom>
+          <a:ln>
+            <a:noFill/>
+          </a:ln>
+          <a:effectLst>
+            <a:softEdge rad="112500"/>
+          </a:effectLst>
+          <a:extLst>
+            <a:ext uri="{909E8E84-426E-40DD-AFC4-6F175D3DCCD1}">
+              <a14:hiddenFill xmlns:a14="http://schemas.microsoft.com/office/drawing/2010/main">
+                <a:solidFill>
+                  <a:srgbClr val="FFFFFF"/>
+                </a:solidFill>
+              </a14:hiddenFill>
+            </a:ext>
+          </a:extLst>
+        </p:spPr>
+      </p:pic>
+      <p:sp>
+        <p:nvSpPr>
+          <p:cNvPr id="3" name="TextBox 2">
+            <a:extLst>
+              <a:ext uri="{FF2B5EF4-FFF2-40B4-BE49-F238E27FC236}">
+                <a16:creationId xmlns:a16="http://schemas.microsoft.com/office/drawing/2014/main" id="{E4EDA633-E8E7-A717-1D81-EEEAE22B2A05}"/>
+              </a:ext>
+            </a:extLst>
+          </p:cNvPr>
+          <p:cNvSpPr txBox="1"/>
+          <p:nvPr/>
+        </p:nvSpPr>
+        <p:spPr>
+          <a:xfrm>
+            <a:off x="6653784" y="2274838"/>
+            <a:ext cx="4776216" cy="2308324"/>
+          </a:xfrm>
+          <a:prstGeom prst="rect">
+            <a:avLst/>
+          </a:prstGeom>
+          <a:noFill/>
+        </p:spPr>
+        <p:txBody>
+          <a:bodyPr wrap="square" rtlCol="0">
+            <a:spAutoFit/>
+          </a:bodyPr>
+          <a:lstStyle/>
+          <a:p>
+            <a:r>
+              <a:rPr lang="fr-FR" sz="2400" noProof="0" dirty="0">
+                <a:solidFill>
+                  <a:srgbClr val="224C5A"/>
+                </a:solidFill>
+                <a:latin typeface="TrebuchetMS-Bold"/>
+              </a:rPr>
+              <a:t>Fonctions d’un jumeau numérique </a:t>
+            </a:r>
+            <a:r>
+              <a:rPr lang="fr-FR" sz="2400" dirty="0">
+                <a:solidFill>
+                  <a:srgbClr val="224C5A"/>
+                </a:solidFill>
+                <a:latin typeface="TrebuchetMS-Bold"/>
+              </a:rPr>
+              <a:t>:</a:t>
+            </a:r>
+            <a:endParaRPr lang="fr-FR" sz="2400" noProof="0" dirty="0">
+              <a:solidFill>
+                <a:srgbClr val="224C5A"/>
+              </a:solidFill>
+              <a:latin typeface="TrebuchetMS-Bold"/>
+            </a:endParaRPr>
+          </a:p>
+          <a:p>
+            <a:pPr marL="285750" indent="-285750">
+              <a:buFont typeface="Arial" panose="020B0604020202020204" pitchFamily="34" charset="0"/>
+              <a:buChar char="•"/>
+            </a:pPr>
+            <a:r>
+              <a:rPr lang="fr-FR" sz="2400" noProof="0" dirty="0">
+                <a:solidFill>
+                  <a:srgbClr val="224C5A"/>
+                </a:solidFill>
+                <a:latin typeface="TrebuchetMS-Bold"/>
+              </a:rPr>
+              <a:t>Améliorer la prise de décision</a:t>
+            </a:r>
+            <a:endParaRPr lang="fr-FR" sz="2400" dirty="0">
+              <a:solidFill>
+                <a:srgbClr val="224C5A"/>
+              </a:solidFill>
+              <a:latin typeface="TrebuchetMS-Bold"/>
+            </a:endParaRPr>
+          </a:p>
+          <a:p>
+            <a:pPr marL="285750" indent="-285750">
+              <a:buFont typeface="Arial" panose="020B0604020202020204" pitchFamily="34" charset="0"/>
+              <a:buChar char="•"/>
+            </a:pPr>
+            <a:r>
+              <a:rPr lang="fr-FR" sz="2400" dirty="0">
+                <a:solidFill>
+                  <a:srgbClr val="224C5A"/>
+                </a:solidFill>
+                <a:latin typeface="TrebuchetMS-Bold"/>
+              </a:rPr>
+              <a:t>Simulation et tests avant mise en œuvre réelle</a:t>
+            </a:r>
+          </a:p>
+          <a:p>
+            <a:pPr marL="285750" indent="-285750">
+              <a:buFont typeface="Arial" panose="020B0604020202020204" pitchFamily="34" charset="0"/>
+              <a:buChar char="•"/>
+            </a:pPr>
+            <a:r>
+              <a:rPr lang="fr-FR" sz="2400" dirty="0">
+                <a:solidFill>
+                  <a:srgbClr val="224C5A"/>
+                </a:solidFill>
+                <a:latin typeface="TrebuchetMS-Bold"/>
+              </a:rPr>
+              <a:t>Visualiser et interagir avec le système</a:t>
+            </a:r>
+            <a:endParaRPr lang="en-US" sz="2400" dirty="0">
+              <a:solidFill>
+                <a:srgbClr val="224C5A"/>
+              </a:solidFill>
+              <a:latin typeface="TrebuchetMS-Bold"/>
+            </a:endParaRPr>
+          </a:p>
+        </p:txBody>
+      </p:sp>
     </p:spTree>
     <p:extLst>
       <p:ext uri="{BB962C8B-B14F-4D97-AF65-F5344CB8AC3E}">
@@ -4636,6 +5175,549 @@
           </p:pic>
         </p:grpSp>
       </p:grpSp>
+      <p:pic>
+        <p:nvPicPr>
+          <p:cNvPr id="2054" name="Picture 6" descr="Logiciel de développement de jeux : créez des jeux en 2D et 3D | Unity">
+            <a:extLst>
+              <a:ext uri="{FF2B5EF4-FFF2-40B4-BE49-F238E27FC236}">
+                <a16:creationId xmlns:a16="http://schemas.microsoft.com/office/drawing/2014/main" id="{DB1F3C64-7570-9016-24DC-9D8BFE0E10FC}"/>
+              </a:ext>
+            </a:extLst>
+          </p:cNvPr>
+          <p:cNvPicPr>
+            <a:picLocks noChangeAspect="1" noChangeArrowheads="1"/>
+          </p:cNvPicPr>
+          <p:nvPr/>
+        </p:nvPicPr>
+        <p:blipFill>
+          <a:blip r:embed="rId3">
+            <a:extLst>
+              <a:ext uri="{28A0092B-C50C-407E-A947-70E740481C1C}">
+                <a14:useLocalDpi xmlns:a14="http://schemas.microsoft.com/office/drawing/2010/main" val="0"/>
+              </a:ext>
+            </a:extLst>
+          </a:blip>
+          <a:srcRect/>
+          <a:stretch>
+            <a:fillRect/>
+          </a:stretch>
+        </p:blipFill>
+        <p:spPr bwMode="auto">
+          <a:xfrm>
+            <a:off x="1839876" y="1024165"/>
+            <a:ext cx="8550522" cy="4809669"/>
+          </a:xfrm>
+          <a:prstGeom prst="rect">
+            <a:avLst/>
+          </a:prstGeom>
+          <a:noFill/>
+          <a:extLst>
+            <a:ext uri="{909E8E84-426E-40DD-AFC4-6F175D3DCCD1}">
+              <a14:hiddenFill xmlns:a14="http://schemas.microsoft.com/office/drawing/2010/main">
+                <a:solidFill>
+                  <a:srgbClr val="FFFFFF"/>
+                </a:solidFill>
+              </a14:hiddenFill>
+            </a:ext>
+          </a:extLst>
+        </p:spPr>
+      </p:pic>
+      <p:sp>
+        <p:nvSpPr>
+          <p:cNvPr id="3" name="Arc 2">
+            <a:extLst>
+              <a:ext uri="{FF2B5EF4-FFF2-40B4-BE49-F238E27FC236}">
+                <a16:creationId xmlns:a16="http://schemas.microsoft.com/office/drawing/2014/main" id="{7CB47A7D-1D2B-2D99-A0E4-A6A76C31166F}"/>
+              </a:ext>
+            </a:extLst>
+          </p:cNvPr>
+          <p:cNvSpPr/>
+          <p:nvPr/>
+        </p:nvSpPr>
+        <p:spPr>
+          <a:xfrm>
+            <a:off x="1371600" y="2057400"/>
+            <a:ext cx="3276600" cy="1484531"/>
+          </a:xfrm>
+          <a:prstGeom prst="arc">
+            <a:avLst>
+              <a:gd name="adj1" fmla="val 16090806"/>
+              <a:gd name="adj2" fmla="val 21040355"/>
+            </a:avLst>
+          </a:prstGeom>
+          <a:ln w="38100">
+            <a:solidFill>
+              <a:srgbClr val="F08A04"/>
+            </a:solidFill>
+          </a:ln>
+        </p:spPr>
+        <p:style>
+          <a:lnRef idx="2">
+            <a:schemeClr val="accent1"/>
+          </a:lnRef>
+          <a:fillRef idx="0">
+            <a:schemeClr val="accent1"/>
+          </a:fillRef>
+          <a:effectRef idx="1">
+            <a:schemeClr val="accent1"/>
+          </a:effectRef>
+          <a:fontRef idx="minor">
+            <a:schemeClr val="tx1"/>
+          </a:fontRef>
+        </p:style>
+        <p:txBody>
+          <a:bodyPr rtlCol="0" anchor="ctr"/>
+          <a:lstStyle/>
+          <a:p>
+            <a:pPr algn="ctr"/>
+            <a:endParaRPr lang="en-US">
+              <a:solidFill>
+                <a:srgbClr val="F08A04"/>
+              </a:solidFill>
+            </a:endParaRPr>
+          </a:p>
+        </p:txBody>
+      </p:sp>
+      <p:sp>
+        <p:nvSpPr>
+          <p:cNvPr id="6" name="Arc 5">
+            <a:extLst>
+              <a:ext uri="{FF2B5EF4-FFF2-40B4-BE49-F238E27FC236}">
+                <a16:creationId xmlns:a16="http://schemas.microsoft.com/office/drawing/2014/main" id="{54B3FDF2-A7B2-F821-6920-DECFE0BD46C6}"/>
+              </a:ext>
+            </a:extLst>
+          </p:cNvPr>
+          <p:cNvSpPr/>
+          <p:nvPr/>
+        </p:nvSpPr>
+        <p:spPr>
+          <a:xfrm flipV="1">
+            <a:off x="1371600" y="3694331"/>
+            <a:ext cx="3429000" cy="1553579"/>
+          </a:xfrm>
+          <a:prstGeom prst="arc">
+            <a:avLst>
+              <a:gd name="adj1" fmla="val 16090806"/>
+              <a:gd name="adj2" fmla="val 21040355"/>
+            </a:avLst>
+          </a:prstGeom>
+          <a:ln w="38100">
+            <a:solidFill>
+              <a:srgbClr val="F08A04"/>
+            </a:solidFill>
+          </a:ln>
+        </p:spPr>
+        <p:style>
+          <a:lnRef idx="2">
+            <a:schemeClr val="accent1"/>
+          </a:lnRef>
+          <a:fillRef idx="0">
+            <a:schemeClr val="accent1"/>
+          </a:fillRef>
+          <a:effectRef idx="1">
+            <a:schemeClr val="accent1"/>
+          </a:effectRef>
+          <a:fontRef idx="minor">
+            <a:schemeClr val="tx1"/>
+          </a:fontRef>
+        </p:style>
+        <p:txBody>
+          <a:bodyPr rtlCol="0" anchor="ctr"/>
+          <a:lstStyle/>
+          <a:p>
+            <a:pPr algn="ctr"/>
+            <a:endParaRPr lang="en-US"/>
+          </a:p>
+        </p:txBody>
+      </p:sp>
+      <p:sp>
+        <p:nvSpPr>
+          <p:cNvPr id="8" name="Arc 7">
+            <a:extLst>
+              <a:ext uri="{FF2B5EF4-FFF2-40B4-BE49-F238E27FC236}">
+                <a16:creationId xmlns:a16="http://schemas.microsoft.com/office/drawing/2014/main" id="{B71362FA-DD96-6A7A-2A5D-8F6C60E493FC}"/>
+              </a:ext>
+            </a:extLst>
+          </p:cNvPr>
+          <p:cNvSpPr/>
+          <p:nvPr/>
+        </p:nvSpPr>
+        <p:spPr>
+          <a:xfrm flipH="1" flipV="1">
+            <a:off x="7641777" y="3694331"/>
+            <a:ext cx="3483423" cy="1553579"/>
+          </a:xfrm>
+          <a:prstGeom prst="arc">
+            <a:avLst>
+              <a:gd name="adj1" fmla="val 16090806"/>
+              <a:gd name="adj2" fmla="val 21040355"/>
+            </a:avLst>
+          </a:prstGeom>
+          <a:ln w="38100">
+            <a:solidFill>
+              <a:srgbClr val="F08A04"/>
+            </a:solidFill>
+          </a:ln>
+        </p:spPr>
+        <p:style>
+          <a:lnRef idx="2">
+            <a:schemeClr val="accent1"/>
+          </a:lnRef>
+          <a:fillRef idx="0">
+            <a:schemeClr val="accent1"/>
+          </a:fillRef>
+          <a:effectRef idx="1">
+            <a:schemeClr val="accent1"/>
+          </a:effectRef>
+          <a:fontRef idx="minor">
+            <a:schemeClr val="tx1"/>
+          </a:fontRef>
+        </p:style>
+        <p:txBody>
+          <a:bodyPr rtlCol="0" anchor="ctr"/>
+          <a:lstStyle/>
+          <a:p>
+            <a:pPr algn="ctr"/>
+            <a:endParaRPr lang="en-US"/>
+          </a:p>
+        </p:txBody>
+      </p:sp>
+      <p:sp>
+        <p:nvSpPr>
+          <p:cNvPr id="13" name="Arc 12">
+            <a:extLst>
+              <a:ext uri="{FF2B5EF4-FFF2-40B4-BE49-F238E27FC236}">
+                <a16:creationId xmlns:a16="http://schemas.microsoft.com/office/drawing/2014/main" id="{58B2C54A-D3AF-D1B2-9684-94E1262C5860}"/>
+              </a:ext>
+            </a:extLst>
+          </p:cNvPr>
+          <p:cNvSpPr/>
+          <p:nvPr/>
+        </p:nvSpPr>
+        <p:spPr>
+          <a:xfrm flipH="1">
+            <a:off x="7565577" y="1988354"/>
+            <a:ext cx="3483423" cy="1553577"/>
+          </a:xfrm>
+          <a:prstGeom prst="arc">
+            <a:avLst>
+              <a:gd name="adj1" fmla="val 16090806"/>
+              <a:gd name="adj2" fmla="val 21040355"/>
+            </a:avLst>
+          </a:prstGeom>
+          <a:ln w="38100">
+            <a:solidFill>
+              <a:srgbClr val="F08A04"/>
+            </a:solidFill>
+          </a:ln>
+        </p:spPr>
+        <p:style>
+          <a:lnRef idx="2">
+            <a:schemeClr val="accent1"/>
+          </a:lnRef>
+          <a:fillRef idx="0">
+            <a:schemeClr val="accent1"/>
+          </a:fillRef>
+          <a:effectRef idx="1">
+            <a:schemeClr val="accent1"/>
+          </a:effectRef>
+          <a:fontRef idx="minor">
+            <a:schemeClr val="tx1"/>
+          </a:fontRef>
+        </p:style>
+        <p:txBody>
+          <a:bodyPr rtlCol="0" anchor="ctr"/>
+          <a:lstStyle/>
+          <a:p>
+            <a:pPr algn="ctr"/>
+            <a:endParaRPr lang="en-US"/>
+          </a:p>
+        </p:txBody>
+      </p:sp>
+      <p:cxnSp>
+        <p:nvCxnSpPr>
+          <p:cNvPr id="15" name="Straight Connector 14">
+            <a:extLst>
+              <a:ext uri="{FF2B5EF4-FFF2-40B4-BE49-F238E27FC236}">
+                <a16:creationId xmlns:a16="http://schemas.microsoft.com/office/drawing/2014/main" id="{64BFE68C-5183-DA3F-88B8-E27984D7562E}"/>
+              </a:ext>
+            </a:extLst>
+          </p:cNvPr>
+          <p:cNvCxnSpPr/>
+          <p:nvPr/>
+        </p:nvCxnSpPr>
+        <p:spPr>
+          <a:xfrm>
+            <a:off x="7707088" y="3429000"/>
+            <a:ext cx="1600200" cy="0"/>
+          </a:xfrm>
+          <a:prstGeom prst="line">
+            <a:avLst/>
+          </a:prstGeom>
+          <a:ln w="38100">
+            <a:solidFill>
+              <a:srgbClr val="F08A04"/>
+            </a:solidFill>
+          </a:ln>
+        </p:spPr>
+        <p:style>
+          <a:lnRef idx="2">
+            <a:schemeClr val="accent1"/>
+          </a:lnRef>
+          <a:fillRef idx="0">
+            <a:schemeClr val="accent1"/>
+          </a:fillRef>
+          <a:effectRef idx="1">
+            <a:schemeClr val="accent1"/>
+          </a:effectRef>
+          <a:fontRef idx="minor">
+            <a:schemeClr val="tx1"/>
+          </a:fontRef>
+        </p:style>
+      </p:cxnSp>
+      <p:sp>
+        <p:nvSpPr>
+          <p:cNvPr id="16" name="TextBox 15">
+            <a:extLst>
+              <a:ext uri="{FF2B5EF4-FFF2-40B4-BE49-F238E27FC236}">
+                <a16:creationId xmlns:a16="http://schemas.microsoft.com/office/drawing/2014/main" id="{E31DF80B-A8E2-D503-47A7-6D9351239E57}"/>
+              </a:ext>
+            </a:extLst>
+          </p:cNvPr>
+          <p:cNvSpPr txBox="1"/>
+          <p:nvPr/>
+        </p:nvSpPr>
+        <p:spPr>
+          <a:xfrm>
+            <a:off x="1862769" y="1835159"/>
+            <a:ext cx="1295400" cy="400110"/>
+          </a:xfrm>
+          <a:prstGeom prst="rect">
+            <a:avLst/>
+          </a:prstGeom>
+          <a:noFill/>
+        </p:spPr>
+        <p:txBody>
+          <a:bodyPr wrap="square" rtlCol="0">
+            <a:spAutoFit/>
+          </a:bodyPr>
+          <a:lstStyle/>
+          <a:p>
+            <a:r>
+              <a:rPr lang="en-US" sz="2000" dirty="0">
+                <a:solidFill>
+                  <a:srgbClr val="224C5A"/>
+                </a:solidFill>
+                <a:latin typeface="TrebuchetMS-Bold"/>
+              </a:rPr>
+              <a:t>Jeu vid</a:t>
+            </a:r>
+            <a:r>
+              <a:rPr lang="fr-FR" sz="2000" dirty="0">
+                <a:solidFill>
+                  <a:srgbClr val="224C5A"/>
+                </a:solidFill>
+                <a:latin typeface="TrebuchetMS-Bold"/>
+              </a:rPr>
+              <a:t>é</a:t>
+            </a:r>
+            <a:r>
+              <a:rPr lang="en-US" sz="2000" dirty="0">
+                <a:solidFill>
+                  <a:srgbClr val="224C5A"/>
+                </a:solidFill>
+                <a:latin typeface="TrebuchetMS-Bold"/>
+              </a:rPr>
+              <a:t>o</a:t>
+            </a:r>
+          </a:p>
+        </p:txBody>
+      </p:sp>
+      <p:sp>
+        <p:nvSpPr>
+          <p:cNvPr id="17" name="TextBox 16">
+            <a:extLst>
+              <a:ext uri="{FF2B5EF4-FFF2-40B4-BE49-F238E27FC236}">
+                <a16:creationId xmlns:a16="http://schemas.microsoft.com/office/drawing/2014/main" id="{B2777B0D-6842-C025-ED8F-0C469DA9F659}"/>
+              </a:ext>
+            </a:extLst>
+          </p:cNvPr>
+          <p:cNvSpPr txBox="1"/>
+          <p:nvPr/>
+        </p:nvSpPr>
+        <p:spPr>
+          <a:xfrm>
+            <a:off x="1295607" y="5047855"/>
+            <a:ext cx="1801602" cy="400110"/>
+          </a:xfrm>
+          <a:prstGeom prst="rect">
+            <a:avLst/>
+          </a:prstGeom>
+          <a:noFill/>
+        </p:spPr>
+        <p:txBody>
+          <a:bodyPr wrap="square" rtlCol="0">
+            <a:spAutoFit/>
+          </a:bodyPr>
+          <a:lstStyle/>
+          <a:p>
+            <a:r>
+              <a:rPr lang="en-US" sz="2000" dirty="0">
+                <a:solidFill>
+                  <a:srgbClr val="224C5A"/>
+                </a:solidFill>
+                <a:latin typeface="TrebuchetMS-Bold"/>
+              </a:rPr>
+              <a:t>Application XR</a:t>
+            </a:r>
+          </a:p>
+        </p:txBody>
+      </p:sp>
+      <p:sp>
+        <p:nvSpPr>
+          <p:cNvPr id="18" name="TextBox 17">
+            <a:extLst>
+              <a:ext uri="{FF2B5EF4-FFF2-40B4-BE49-F238E27FC236}">
+                <a16:creationId xmlns:a16="http://schemas.microsoft.com/office/drawing/2014/main" id="{07AF6AFC-ADEE-101F-FDBE-6FECF35A4B2D}"/>
+              </a:ext>
+            </a:extLst>
+          </p:cNvPr>
+          <p:cNvSpPr txBox="1"/>
+          <p:nvPr/>
+        </p:nvSpPr>
+        <p:spPr>
+          <a:xfrm>
+            <a:off x="9326646" y="1788299"/>
+            <a:ext cx="2335002" cy="400110"/>
+          </a:xfrm>
+          <a:prstGeom prst="rect">
+            <a:avLst/>
+          </a:prstGeom>
+          <a:noFill/>
+        </p:spPr>
+        <p:txBody>
+          <a:bodyPr wrap="square" rtlCol="0">
+            <a:spAutoFit/>
+          </a:bodyPr>
+          <a:lstStyle/>
+          <a:p>
+            <a:r>
+              <a:rPr lang="en-US" sz="2000" dirty="0">
+                <a:solidFill>
+                  <a:srgbClr val="224C5A"/>
+                </a:solidFill>
+                <a:latin typeface="TrebuchetMS-Bold"/>
+              </a:rPr>
+              <a:t>Jumeau num</a:t>
+            </a:r>
+            <a:r>
+              <a:rPr lang="fr-FR" sz="2000" dirty="0">
+                <a:solidFill>
+                  <a:srgbClr val="224C5A"/>
+                </a:solidFill>
+                <a:latin typeface="TrebuchetMS-Bold"/>
+              </a:rPr>
+              <a:t>é</a:t>
+            </a:r>
+            <a:r>
+              <a:rPr lang="fr-FR" sz="2000" noProof="0" dirty="0" err="1">
+                <a:solidFill>
+                  <a:srgbClr val="224C5A"/>
+                </a:solidFill>
+                <a:latin typeface="TrebuchetMS-Bold"/>
+              </a:rPr>
+              <a:t>rique</a:t>
+            </a:r>
+            <a:endParaRPr lang="en-US" sz="2000" dirty="0">
+              <a:solidFill>
+                <a:srgbClr val="224C5A"/>
+              </a:solidFill>
+              <a:latin typeface="TrebuchetMS-Bold"/>
+            </a:endParaRPr>
+          </a:p>
+        </p:txBody>
+      </p:sp>
+      <p:sp>
+        <p:nvSpPr>
+          <p:cNvPr id="19" name="TextBox 18">
+            <a:extLst>
+              <a:ext uri="{FF2B5EF4-FFF2-40B4-BE49-F238E27FC236}">
+                <a16:creationId xmlns:a16="http://schemas.microsoft.com/office/drawing/2014/main" id="{1FB4A410-71B0-BEA9-085D-1C6E8B27BF58}"/>
+              </a:ext>
+            </a:extLst>
+          </p:cNvPr>
+          <p:cNvSpPr txBox="1"/>
+          <p:nvPr/>
+        </p:nvSpPr>
+        <p:spPr>
+          <a:xfrm>
+            <a:off x="9285324" y="3228944"/>
+            <a:ext cx="2133600" cy="400110"/>
+          </a:xfrm>
+          <a:prstGeom prst="rect">
+            <a:avLst/>
+          </a:prstGeom>
+          <a:noFill/>
+        </p:spPr>
+        <p:txBody>
+          <a:bodyPr wrap="square" rtlCol="0">
+            <a:spAutoFit/>
+          </a:bodyPr>
+          <a:lstStyle/>
+          <a:p>
+            <a:r>
+              <a:rPr lang="en-US" sz="2000" dirty="0">
+                <a:solidFill>
+                  <a:srgbClr val="224C5A"/>
+                </a:solidFill>
+                <a:latin typeface="TrebuchetMS-Bold"/>
+              </a:rPr>
+              <a:t>Film et animation</a:t>
+            </a:r>
+          </a:p>
+        </p:txBody>
+      </p:sp>
+      <p:sp>
+        <p:nvSpPr>
+          <p:cNvPr id="20" name="TextBox 19">
+            <a:extLst>
+              <a:ext uri="{FF2B5EF4-FFF2-40B4-BE49-F238E27FC236}">
+                <a16:creationId xmlns:a16="http://schemas.microsoft.com/office/drawing/2014/main" id="{A68C66EB-398D-EFDC-9531-E477EAE9F1D0}"/>
+              </a:ext>
+            </a:extLst>
+          </p:cNvPr>
+          <p:cNvSpPr txBox="1"/>
+          <p:nvPr/>
+        </p:nvSpPr>
+        <p:spPr>
+          <a:xfrm>
+            <a:off x="9029874" y="4909356"/>
+            <a:ext cx="2133600" cy="707886"/>
+          </a:xfrm>
+          <a:prstGeom prst="rect">
+            <a:avLst/>
+          </a:prstGeom>
+          <a:noFill/>
+        </p:spPr>
+        <p:txBody>
+          <a:bodyPr wrap="square" rtlCol="0">
+            <a:spAutoFit/>
+          </a:bodyPr>
+          <a:lstStyle/>
+          <a:p>
+            <a:pPr algn="ctr"/>
+            <a:r>
+              <a:rPr lang="en-US" sz="2000" dirty="0">
+                <a:solidFill>
+                  <a:srgbClr val="224C5A"/>
+                </a:solidFill>
+                <a:latin typeface="TrebuchetMS-Bold"/>
+              </a:rPr>
+              <a:t>Education et formations</a:t>
+            </a:r>
+          </a:p>
+        </p:txBody>
+      </p:sp>
     </p:spTree>
     <p:extLst>
       <p:ext uri="{BB962C8B-B14F-4D97-AF65-F5344CB8AC3E}">
@@ -4943,7 +6025,7 @@
                     </a:solidFill>
                     <a:latin typeface="TrebuchetMS-Bold"/>
                   </a:rPr>
-                  <a:t>|page</a:t>
+                  <a:t>|4</a:t>
                 </a:r>
               </a:p>
             </p:txBody>
@@ -4997,6 +6079,42 @@
           </p:pic>
         </p:grpSp>
       </p:grpSp>
+      <p:pic>
+        <p:nvPicPr>
+          <p:cNvPr id="3" name="Picture 2" descr="A large oil rig in the water&#10;&#10;AI-generated content may be incorrect.">
+            <a:extLst>
+              <a:ext uri="{FF2B5EF4-FFF2-40B4-BE49-F238E27FC236}">
+                <a16:creationId xmlns:a16="http://schemas.microsoft.com/office/drawing/2014/main" id="{0E7B3532-E7DF-B969-400A-89919CED606D}"/>
+              </a:ext>
+            </a:extLst>
+          </p:cNvPr>
+          <p:cNvPicPr>
+            <a:picLocks noChangeAspect="1"/>
+          </p:cNvPicPr>
+          <p:nvPr/>
+        </p:nvPicPr>
+        <p:blipFill>
+          <a:blip r:embed="rId3">
+            <a:extLst>
+              <a:ext uri="{28A0092B-C50C-407E-A947-70E740481C1C}">
+                <a14:useLocalDpi xmlns:a14="http://schemas.microsoft.com/office/drawing/2010/main" val="0"/>
+              </a:ext>
+            </a:extLst>
+          </a:blip>
+          <a:stretch>
+            <a:fillRect/>
+          </a:stretch>
+        </p:blipFill>
+        <p:spPr>
+          <a:xfrm>
+            <a:off x="1785985" y="1125723"/>
+            <a:ext cx="8620029" cy="4846800"/>
+          </a:xfrm>
+          <a:prstGeom prst="rect">
+            <a:avLst/>
+          </a:prstGeom>
+        </p:spPr>
+      </p:pic>
     </p:spTree>
     <p:extLst>
       <p:ext uri="{BB962C8B-B14F-4D97-AF65-F5344CB8AC3E}">
@@ -5011,6 +6129,800 @@
 </file>
 
 <file path=ppt/slides/slide5.xml><?xml version="1.0" encoding="utf-8"?>
+<p:sld xmlns:a="http://schemas.openxmlformats.org/drawingml/2006/main" xmlns:r="http://schemas.openxmlformats.org/officeDocument/2006/relationships" xmlns:p="http://schemas.openxmlformats.org/presentationml/2006/main">
+  <p:cSld>
+    <p:spTree>
+      <p:nvGrpSpPr>
+        <p:cNvPr id="1" name="">
+          <a:extLst>
+            <a:ext uri="{FF2B5EF4-FFF2-40B4-BE49-F238E27FC236}">
+              <a16:creationId xmlns:a16="http://schemas.microsoft.com/office/drawing/2014/main" id="{38E46AD4-FCF6-C824-48BD-5FEBD546AECE}"/>
+            </a:ext>
+          </a:extLst>
+        </p:cNvPr>
+        <p:cNvGrpSpPr/>
+        <p:nvPr/>
+      </p:nvGrpSpPr>
+      <p:grpSpPr>
+        <a:xfrm>
+          <a:off x="0" y="0"/>
+          <a:ext cx="0" cy="0"/>
+          <a:chOff x="0" y="0"/>
+          <a:chExt cx="0" cy="0"/>
+        </a:xfrm>
+      </p:grpSpPr>
+      <p:grpSp>
+        <p:nvGrpSpPr>
+          <p:cNvPr id="12" name="Group 11">
+            <a:extLst>
+              <a:ext uri="{FF2B5EF4-FFF2-40B4-BE49-F238E27FC236}">
+                <a16:creationId xmlns:a16="http://schemas.microsoft.com/office/drawing/2014/main" id="{C3647261-EEC0-3D34-6ADC-3F466A764CC2}"/>
+              </a:ext>
+            </a:extLst>
+          </p:cNvPr>
+          <p:cNvGrpSpPr/>
+          <p:nvPr/>
+        </p:nvGrpSpPr>
+        <p:grpSpPr>
+          <a:xfrm>
+            <a:off x="-24384" y="0"/>
+            <a:ext cx="11606784" cy="6858000"/>
+            <a:chOff x="-24384" y="0"/>
+            <a:chExt cx="11606784" cy="6858000"/>
+          </a:xfrm>
+        </p:grpSpPr>
+        <p:sp>
+          <p:nvSpPr>
+            <p:cNvPr id="7" name="TextBox 6">
+              <a:extLst>
+                <a:ext uri="{FF2B5EF4-FFF2-40B4-BE49-F238E27FC236}">
+                  <a16:creationId xmlns:a16="http://schemas.microsoft.com/office/drawing/2014/main" id="{6156E662-75EE-9FB1-DF97-F49A240CEA33}"/>
+                </a:ext>
+              </a:extLst>
+            </p:cNvPr>
+            <p:cNvSpPr txBox="1"/>
+            <p:nvPr/>
+          </p:nvSpPr>
+          <p:spPr>
+            <a:xfrm>
+              <a:off x="1066800" y="476934"/>
+              <a:ext cx="10515600" cy="646331"/>
+            </a:xfrm>
+            <a:prstGeom prst="rect">
+              <a:avLst/>
+            </a:prstGeom>
+            <a:noFill/>
+          </p:spPr>
+          <p:txBody>
+            <a:bodyPr wrap="square">
+              <a:spAutoFit/>
+            </a:bodyPr>
+            <a:lstStyle/>
+            <a:p>
+              <a:r>
+                <a:rPr lang="en-US" sz="3600" b="1" i="0" dirty="0">
+                  <a:solidFill>
+                    <a:srgbClr val="22505F"/>
+                  </a:solidFill>
+                  <a:effectLst/>
+                  <a:latin typeface="TrebuchetMS-Bold"/>
+                </a:rPr>
+                <a:t>D</a:t>
+              </a:r>
+              <a:r>
+                <a:rPr lang="fr-FR" sz="3600" b="1" i="0" dirty="0">
+                  <a:solidFill>
+                    <a:srgbClr val="22505F"/>
+                  </a:solidFill>
+                  <a:effectLst/>
+                  <a:latin typeface="TrebuchetMS-Bold"/>
+                </a:rPr>
+                <a:t>é</a:t>
+              </a:r>
+              <a:r>
+                <a:rPr lang="en-US" sz="3600" b="1" i="0" dirty="0" err="1">
+                  <a:solidFill>
+                    <a:srgbClr val="22505F"/>
+                  </a:solidFill>
+                  <a:effectLst/>
+                  <a:latin typeface="TrebuchetMS-Bold"/>
+                </a:rPr>
+                <a:t>monstration</a:t>
+              </a:r>
+              <a:r>
+                <a:rPr lang="en-US" sz="3600" b="1" i="0" dirty="0">
+                  <a:solidFill>
+                    <a:srgbClr val="22505F"/>
+                  </a:solidFill>
+                  <a:effectLst/>
+                  <a:latin typeface="TrebuchetMS-Bold"/>
+                </a:rPr>
+                <a:t> – Menu Principal</a:t>
+              </a:r>
+            </a:p>
+          </p:txBody>
+        </p:sp>
+        <p:grpSp>
+          <p:nvGrpSpPr>
+            <p:cNvPr id="11" name="Group 10">
+              <a:extLst>
+                <a:ext uri="{FF2B5EF4-FFF2-40B4-BE49-F238E27FC236}">
+                  <a16:creationId xmlns:a16="http://schemas.microsoft.com/office/drawing/2014/main" id="{EC0217B4-B75F-8AB1-4E8B-FA1C225A71DE}"/>
+                </a:ext>
+              </a:extLst>
+            </p:cNvPr>
+            <p:cNvGrpSpPr/>
+            <p:nvPr/>
+          </p:nvGrpSpPr>
+          <p:grpSpPr>
+            <a:xfrm>
+              <a:off x="-24384" y="0"/>
+              <a:ext cx="11454384" cy="6858000"/>
+              <a:chOff x="-24384" y="0"/>
+              <a:chExt cx="11454384" cy="6858000"/>
+            </a:xfrm>
+          </p:grpSpPr>
+          <p:grpSp>
+            <p:nvGrpSpPr>
+              <p:cNvPr id="10" name="Group 9">
+                <a:extLst>
+                  <a:ext uri="{FF2B5EF4-FFF2-40B4-BE49-F238E27FC236}">
+                    <a16:creationId xmlns:a16="http://schemas.microsoft.com/office/drawing/2014/main" id="{C5784E17-4ABB-D072-2669-B26B8442E168}"/>
+                  </a:ext>
+                </a:extLst>
+              </p:cNvPr>
+              <p:cNvGrpSpPr/>
+              <p:nvPr/>
+            </p:nvGrpSpPr>
+            <p:grpSpPr>
+              <a:xfrm>
+                <a:off x="-24384" y="0"/>
+                <a:ext cx="228600" cy="6858000"/>
+                <a:chOff x="-24384" y="0"/>
+                <a:chExt cx="228600" cy="6858000"/>
+              </a:xfrm>
+            </p:grpSpPr>
+            <p:sp>
+              <p:nvSpPr>
+                <p:cNvPr id="4" name="Rectangle 3">
+                  <a:extLst>
+                    <a:ext uri="{FF2B5EF4-FFF2-40B4-BE49-F238E27FC236}">
+                      <a16:creationId xmlns:a16="http://schemas.microsoft.com/office/drawing/2014/main" id="{620D0361-CE37-524C-CA22-3144C772A20E}"/>
+                    </a:ext>
+                  </a:extLst>
+                </p:cNvPr>
+                <p:cNvSpPr/>
+                <p:nvPr/>
+              </p:nvSpPr>
+              <p:spPr>
+                <a:xfrm>
+                  <a:off x="-24384" y="1600200"/>
+                  <a:ext cx="228600" cy="5257800"/>
+                </a:xfrm>
+                <a:prstGeom prst="rect">
+                  <a:avLst/>
+                </a:prstGeom>
+                <a:solidFill>
+                  <a:srgbClr val="224C5A"/>
+                </a:solidFill>
+                <a:ln>
+                  <a:noFill/>
+                </a:ln>
+              </p:spPr>
+              <p:style>
+                <a:lnRef idx="2">
+                  <a:schemeClr val="accent1">
+                    <a:shade val="15000"/>
+                  </a:schemeClr>
+                </a:lnRef>
+                <a:fillRef idx="1">
+                  <a:schemeClr val="accent1"/>
+                </a:fillRef>
+                <a:effectRef idx="0">
+                  <a:schemeClr val="accent1"/>
+                </a:effectRef>
+                <a:fontRef idx="minor">
+                  <a:schemeClr val="lt1"/>
+                </a:fontRef>
+              </p:style>
+              <p:txBody>
+                <a:bodyPr rtlCol="0" anchor="ctr"/>
+                <a:lstStyle/>
+                <a:p>
+                  <a:pPr algn="ctr"/>
+                  <a:endParaRPr lang="en-US" dirty="0"/>
+                </a:p>
+              </p:txBody>
+            </p:sp>
+            <p:sp>
+              <p:nvSpPr>
+                <p:cNvPr id="5" name="Rectangle 4">
+                  <a:extLst>
+                    <a:ext uri="{FF2B5EF4-FFF2-40B4-BE49-F238E27FC236}">
+                      <a16:creationId xmlns:a16="http://schemas.microsoft.com/office/drawing/2014/main" id="{C0123AA3-15F4-FE7F-7B9D-2ABCFD6C272E}"/>
+                    </a:ext>
+                  </a:extLst>
+                </p:cNvPr>
+                <p:cNvSpPr/>
+                <p:nvPr/>
+              </p:nvSpPr>
+              <p:spPr>
+                <a:xfrm>
+                  <a:off x="-24384" y="0"/>
+                  <a:ext cx="228600" cy="1600200"/>
+                </a:xfrm>
+                <a:prstGeom prst="rect">
+                  <a:avLst/>
+                </a:prstGeom>
+                <a:solidFill>
+                  <a:srgbClr val="F08A04"/>
+                </a:solidFill>
+                <a:ln>
+                  <a:noFill/>
+                </a:ln>
+              </p:spPr>
+              <p:style>
+                <a:lnRef idx="2">
+                  <a:schemeClr val="accent1">
+                    <a:shade val="15000"/>
+                  </a:schemeClr>
+                </a:lnRef>
+                <a:fillRef idx="1">
+                  <a:schemeClr val="accent1"/>
+                </a:fillRef>
+                <a:effectRef idx="0">
+                  <a:schemeClr val="accent1"/>
+                </a:effectRef>
+                <a:fontRef idx="minor">
+                  <a:schemeClr val="lt1"/>
+                </a:fontRef>
+              </p:style>
+              <p:txBody>
+                <a:bodyPr rtlCol="0" anchor="ctr"/>
+                <a:lstStyle/>
+                <a:p>
+                  <a:pPr algn="ctr"/>
+                  <a:endParaRPr lang="en-US"/>
+                </a:p>
+              </p:txBody>
+            </p:sp>
+          </p:grpSp>
+          <p:sp>
+            <p:nvSpPr>
+              <p:cNvPr id="9" name="TextBox 8">
+                <a:extLst>
+                  <a:ext uri="{FF2B5EF4-FFF2-40B4-BE49-F238E27FC236}">
+                    <a16:creationId xmlns:a16="http://schemas.microsoft.com/office/drawing/2014/main" id="{D884EA70-4538-7995-E4D4-B6423CC0CCB7}"/>
+                  </a:ext>
+                </a:extLst>
+              </p:cNvPr>
+              <p:cNvSpPr txBox="1"/>
+              <p:nvPr/>
+            </p:nvSpPr>
+            <p:spPr>
+              <a:xfrm>
+                <a:off x="10668000" y="6172200"/>
+                <a:ext cx="762000" cy="369332"/>
+              </a:xfrm>
+              <a:prstGeom prst="rect">
+                <a:avLst/>
+              </a:prstGeom>
+              <a:noFill/>
+            </p:spPr>
+            <p:txBody>
+              <a:bodyPr wrap="square" rtlCol="0">
+                <a:spAutoFit/>
+              </a:bodyPr>
+              <a:lstStyle/>
+              <a:p>
+                <a:r>
+                  <a:rPr lang="en-US" dirty="0">
+                    <a:solidFill>
+                      <a:srgbClr val="F08A04"/>
+                    </a:solidFill>
+                    <a:latin typeface="TrebuchetMS-Bold"/>
+                  </a:rPr>
+                  <a:t>|5</a:t>
+                </a:r>
+              </a:p>
+            </p:txBody>
+          </p:sp>
+          <p:pic>
+            <p:nvPicPr>
+              <p:cNvPr id="1026" name="Picture 2" descr="Logo de Saipem aux formats PNG transparent et SVG vectorisé">
+                <a:extLst>
+                  <a:ext uri="{FF2B5EF4-FFF2-40B4-BE49-F238E27FC236}">
+                    <a16:creationId xmlns:a16="http://schemas.microsoft.com/office/drawing/2014/main" id="{98620DA4-6001-A3F3-F766-5499C39227E8}"/>
+                  </a:ext>
+                </a:extLst>
+              </p:cNvPr>
+              <p:cNvPicPr>
+                <a:picLocks noChangeAspect="1" noChangeArrowheads="1"/>
+              </p:cNvPicPr>
+              <p:nvPr/>
+            </p:nvPicPr>
+            <p:blipFill>
+              <a:blip r:embed="rId2">
+                <a:extLst>
+                  <a:ext uri="{28A0092B-C50C-407E-A947-70E740481C1C}">
+                    <a14:useLocalDpi xmlns:a14="http://schemas.microsoft.com/office/drawing/2010/main" val="0"/>
+                  </a:ext>
+                </a:extLst>
+              </a:blip>
+              <a:srcRect/>
+              <a:stretch>
+                <a:fillRect/>
+              </a:stretch>
+            </p:blipFill>
+            <p:spPr bwMode="auto">
+              <a:xfrm>
+                <a:off x="1066800" y="6172200"/>
+                <a:ext cx="1295400" cy="412740"/>
+              </a:xfrm>
+              <a:prstGeom prst="rect">
+                <a:avLst/>
+              </a:prstGeom>
+              <a:noFill/>
+              <a:extLst>
+                <a:ext uri="{909E8E84-426E-40DD-AFC4-6F175D3DCCD1}">
+                  <a14:hiddenFill xmlns:a14="http://schemas.microsoft.com/office/drawing/2010/main">
+                    <a:solidFill>
+                      <a:srgbClr val="FFFFFF"/>
+                    </a:solidFill>
+                  </a14:hiddenFill>
+                </a:ext>
+              </a:extLst>
+            </p:spPr>
+          </p:pic>
+        </p:grpSp>
+      </p:grpSp>
+      <p:pic>
+        <p:nvPicPr>
+          <p:cNvPr id="6" name="Picture 5" descr="A screenshot of a computer&#10;&#10;AI-generated content may be incorrect.">
+            <a:extLst>
+              <a:ext uri="{FF2B5EF4-FFF2-40B4-BE49-F238E27FC236}">
+                <a16:creationId xmlns:a16="http://schemas.microsoft.com/office/drawing/2014/main" id="{5F485AD7-2D12-469D-777A-8BC5E6F2D0FC}"/>
+              </a:ext>
+            </a:extLst>
+          </p:cNvPr>
+          <p:cNvPicPr>
+            <a:picLocks noChangeAspect="1"/>
+          </p:cNvPicPr>
+          <p:nvPr/>
+        </p:nvPicPr>
+        <p:blipFill>
+          <a:blip r:embed="rId3">
+            <a:extLst>
+              <a:ext uri="{28A0092B-C50C-407E-A947-70E740481C1C}">
+                <a14:useLocalDpi xmlns:a14="http://schemas.microsoft.com/office/drawing/2010/main" val="0"/>
+              </a:ext>
+            </a:extLst>
+          </a:blip>
+          <a:stretch>
+            <a:fillRect/>
+          </a:stretch>
+        </p:blipFill>
+        <p:spPr>
+          <a:xfrm>
+            <a:off x="1714500" y="1123265"/>
+            <a:ext cx="8615364" cy="4844178"/>
+          </a:xfrm>
+          <a:prstGeom prst="rect">
+            <a:avLst/>
+          </a:prstGeom>
+        </p:spPr>
+      </p:pic>
+    </p:spTree>
+    <p:extLst>
+      <p:ext uri="{BB962C8B-B14F-4D97-AF65-F5344CB8AC3E}">
+        <p14:creationId xmlns:p14="http://schemas.microsoft.com/office/powerpoint/2010/main" val="469452420"/>
+      </p:ext>
+    </p:extLst>
+  </p:cSld>
+  <p:clrMapOvr>
+    <a:masterClrMapping/>
+  </p:clrMapOvr>
+</p:sld>
+</file>
+
+<file path=ppt/slides/slide6.xml><?xml version="1.0" encoding="utf-8"?>
+<p:sld xmlns:a="http://schemas.openxmlformats.org/drawingml/2006/main" xmlns:r="http://schemas.openxmlformats.org/officeDocument/2006/relationships" xmlns:p="http://schemas.openxmlformats.org/presentationml/2006/main">
+  <p:cSld>
+    <p:spTree>
+      <p:nvGrpSpPr>
+        <p:cNvPr id="1" name="">
+          <a:extLst>
+            <a:ext uri="{FF2B5EF4-FFF2-40B4-BE49-F238E27FC236}">
+              <a16:creationId xmlns:a16="http://schemas.microsoft.com/office/drawing/2014/main" id="{6B27B07A-4C1B-04E1-D172-4515C0BE6095}"/>
+            </a:ext>
+          </a:extLst>
+        </p:cNvPr>
+        <p:cNvGrpSpPr/>
+        <p:nvPr/>
+      </p:nvGrpSpPr>
+      <p:grpSpPr>
+        <a:xfrm>
+          <a:off x="0" y="0"/>
+          <a:ext cx="0" cy="0"/>
+          <a:chOff x="0" y="0"/>
+          <a:chExt cx="0" cy="0"/>
+        </a:xfrm>
+      </p:grpSpPr>
+      <p:grpSp>
+        <p:nvGrpSpPr>
+          <p:cNvPr id="12" name="Group 11">
+            <a:extLst>
+              <a:ext uri="{FF2B5EF4-FFF2-40B4-BE49-F238E27FC236}">
+                <a16:creationId xmlns:a16="http://schemas.microsoft.com/office/drawing/2014/main" id="{6CFB2D7A-5DFE-0794-97B6-FC611E9C677B}"/>
+              </a:ext>
+            </a:extLst>
+          </p:cNvPr>
+          <p:cNvGrpSpPr/>
+          <p:nvPr/>
+        </p:nvGrpSpPr>
+        <p:grpSpPr>
+          <a:xfrm>
+            <a:off x="-24384" y="0"/>
+            <a:ext cx="11606784" cy="6858000"/>
+            <a:chOff x="-24384" y="0"/>
+            <a:chExt cx="11606784" cy="6858000"/>
+          </a:xfrm>
+        </p:grpSpPr>
+        <p:sp>
+          <p:nvSpPr>
+            <p:cNvPr id="7" name="TextBox 6">
+              <a:extLst>
+                <a:ext uri="{FF2B5EF4-FFF2-40B4-BE49-F238E27FC236}">
+                  <a16:creationId xmlns:a16="http://schemas.microsoft.com/office/drawing/2014/main" id="{8564643B-8B88-8F1B-232D-74E13E479090}"/>
+                </a:ext>
+              </a:extLst>
+            </p:cNvPr>
+            <p:cNvSpPr txBox="1"/>
+            <p:nvPr/>
+          </p:nvSpPr>
+          <p:spPr>
+            <a:xfrm>
+              <a:off x="1066800" y="476934"/>
+              <a:ext cx="10515600" cy="646331"/>
+            </a:xfrm>
+            <a:prstGeom prst="rect">
+              <a:avLst/>
+            </a:prstGeom>
+            <a:noFill/>
+          </p:spPr>
+          <p:txBody>
+            <a:bodyPr wrap="square">
+              <a:spAutoFit/>
+            </a:bodyPr>
+            <a:lstStyle/>
+            <a:p>
+              <a:r>
+                <a:rPr lang="en-US" sz="3600" b="1" i="0" dirty="0">
+                  <a:solidFill>
+                    <a:srgbClr val="22505F"/>
+                  </a:solidFill>
+                  <a:effectLst/>
+                  <a:latin typeface="TrebuchetMS-Bold"/>
+                </a:rPr>
+                <a:t>D</a:t>
+              </a:r>
+              <a:r>
+                <a:rPr lang="fr-FR" sz="3600" b="1" i="0" dirty="0">
+                  <a:solidFill>
+                    <a:srgbClr val="22505F"/>
+                  </a:solidFill>
+                  <a:effectLst/>
+                  <a:latin typeface="TrebuchetMS-Bold"/>
+                </a:rPr>
+                <a:t>é</a:t>
+              </a:r>
+              <a:r>
+                <a:rPr lang="en-US" sz="3600" b="1" i="0" dirty="0" err="1">
+                  <a:solidFill>
+                    <a:srgbClr val="22505F"/>
+                  </a:solidFill>
+                  <a:effectLst/>
+                  <a:latin typeface="TrebuchetMS-Bold"/>
+                </a:rPr>
+                <a:t>monstration</a:t>
+              </a:r>
+              <a:r>
+                <a:rPr lang="en-US" sz="3600" b="1" i="0" dirty="0">
+                  <a:solidFill>
+                    <a:srgbClr val="22505F"/>
+                  </a:solidFill>
+                  <a:effectLst/>
+                  <a:latin typeface="TrebuchetMS-Bold"/>
+                </a:rPr>
+                <a:t> – Menu Principal</a:t>
+              </a:r>
+            </a:p>
+          </p:txBody>
+        </p:sp>
+        <p:grpSp>
+          <p:nvGrpSpPr>
+            <p:cNvPr id="11" name="Group 10">
+              <a:extLst>
+                <a:ext uri="{FF2B5EF4-FFF2-40B4-BE49-F238E27FC236}">
+                  <a16:creationId xmlns:a16="http://schemas.microsoft.com/office/drawing/2014/main" id="{805E80FA-6E4A-2C36-19D0-49F3D1D0A53C}"/>
+                </a:ext>
+              </a:extLst>
+            </p:cNvPr>
+            <p:cNvGrpSpPr/>
+            <p:nvPr/>
+          </p:nvGrpSpPr>
+          <p:grpSpPr>
+            <a:xfrm>
+              <a:off x="-24384" y="0"/>
+              <a:ext cx="11454384" cy="6858000"/>
+              <a:chOff x="-24384" y="0"/>
+              <a:chExt cx="11454384" cy="6858000"/>
+            </a:xfrm>
+          </p:grpSpPr>
+          <p:grpSp>
+            <p:nvGrpSpPr>
+              <p:cNvPr id="10" name="Group 9">
+                <a:extLst>
+                  <a:ext uri="{FF2B5EF4-FFF2-40B4-BE49-F238E27FC236}">
+                    <a16:creationId xmlns:a16="http://schemas.microsoft.com/office/drawing/2014/main" id="{E780865E-7BAD-494D-D269-0121FDF81372}"/>
+                  </a:ext>
+                </a:extLst>
+              </p:cNvPr>
+              <p:cNvGrpSpPr/>
+              <p:nvPr/>
+            </p:nvGrpSpPr>
+            <p:grpSpPr>
+              <a:xfrm>
+                <a:off x="-24384" y="0"/>
+                <a:ext cx="228600" cy="6858000"/>
+                <a:chOff x="-24384" y="0"/>
+                <a:chExt cx="228600" cy="6858000"/>
+              </a:xfrm>
+            </p:grpSpPr>
+            <p:sp>
+              <p:nvSpPr>
+                <p:cNvPr id="4" name="Rectangle 3">
+                  <a:extLst>
+                    <a:ext uri="{FF2B5EF4-FFF2-40B4-BE49-F238E27FC236}">
+                      <a16:creationId xmlns:a16="http://schemas.microsoft.com/office/drawing/2014/main" id="{09EF8AF9-5E6D-4B7F-5BF9-52F1C6DF2931}"/>
+                    </a:ext>
+                  </a:extLst>
+                </p:cNvPr>
+                <p:cNvSpPr/>
+                <p:nvPr/>
+              </p:nvSpPr>
+              <p:spPr>
+                <a:xfrm>
+                  <a:off x="-24384" y="1600200"/>
+                  <a:ext cx="228600" cy="5257800"/>
+                </a:xfrm>
+                <a:prstGeom prst="rect">
+                  <a:avLst/>
+                </a:prstGeom>
+                <a:solidFill>
+                  <a:srgbClr val="224C5A"/>
+                </a:solidFill>
+                <a:ln>
+                  <a:noFill/>
+                </a:ln>
+              </p:spPr>
+              <p:style>
+                <a:lnRef idx="2">
+                  <a:schemeClr val="accent1">
+                    <a:shade val="15000"/>
+                  </a:schemeClr>
+                </a:lnRef>
+                <a:fillRef idx="1">
+                  <a:schemeClr val="accent1"/>
+                </a:fillRef>
+                <a:effectRef idx="0">
+                  <a:schemeClr val="accent1"/>
+                </a:effectRef>
+                <a:fontRef idx="minor">
+                  <a:schemeClr val="lt1"/>
+                </a:fontRef>
+              </p:style>
+              <p:txBody>
+                <a:bodyPr rtlCol="0" anchor="ctr"/>
+                <a:lstStyle/>
+                <a:p>
+                  <a:pPr algn="ctr"/>
+                  <a:endParaRPr lang="en-US" dirty="0"/>
+                </a:p>
+              </p:txBody>
+            </p:sp>
+            <p:sp>
+              <p:nvSpPr>
+                <p:cNvPr id="5" name="Rectangle 4">
+                  <a:extLst>
+                    <a:ext uri="{FF2B5EF4-FFF2-40B4-BE49-F238E27FC236}">
+                      <a16:creationId xmlns:a16="http://schemas.microsoft.com/office/drawing/2014/main" id="{9537EDF0-E9E2-5D5F-0AAB-FE4702C04728}"/>
+                    </a:ext>
+                  </a:extLst>
+                </p:cNvPr>
+                <p:cNvSpPr/>
+                <p:nvPr/>
+              </p:nvSpPr>
+              <p:spPr>
+                <a:xfrm>
+                  <a:off x="-24384" y="0"/>
+                  <a:ext cx="228600" cy="1600200"/>
+                </a:xfrm>
+                <a:prstGeom prst="rect">
+                  <a:avLst/>
+                </a:prstGeom>
+                <a:solidFill>
+                  <a:srgbClr val="F08A04"/>
+                </a:solidFill>
+                <a:ln>
+                  <a:noFill/>
+                </a:ln>
+              </p:spPr>
+              <p:style>
+                <a:lnRef idx="2">
+                  <a:schemeClr val="accent1">
+                    <a:shade val="15000"/>
+                  </a:schemeClr>
+                </a:lnRef>
+                <a:fillRef idx="1">
+                  <a:schemeClr val="accent1"/>
+                </a:fillRef>
+                <a:effectRef idx="0">
+                  <a:schemeClr val="accent1"/>
+                </a:effectRef>
+                <a:fontRef idx="minor">
+                  <a:schemeClr val="lt1"/>
+                </a:fontRef>
+              </p:style>
+              <p:txBody>
+                <a:bodyPr rtlCol="0" anchor="ctr"/>
+                <a:lstStyle/>
+                <a:p>
+                  <a:pPr algn="ctr"/>
+                  <a:endParaRPr lang="en-US"/>
+                </a:p>
+              </p:txBody>
+            </p:sp>
+          </p:grpSp>
+          <p:sp>
+            <p:nvSpPr>
+              <p:cNvPr id="9" name="TextBox 8">
+                <a:extLst>
+                  <a:ext uri="{FF2B5EF4-FFF2-40B4-BE49-F238E27FC236}">
+                    <a16:creationId xmlns:a16="http://schemas.microsoft.com/office/drawing/2014/main" id="{485B7B26-A0E7-9F9B-BF21-508ED9BEBFD4}"/>
+                  </a:ext>
+                </a:extLst>
+              </p:cNvPr>
+              <p:cNvSpPr txBox="1"/>
+              <p:nvPr/>
+            </p:nvSpPr>
+            <p:spPr>
+              <a:xfrm>
+                <a:off x="10668000" y="6172200"/>
+                <a:ext cx="762000" cy="369332"/>
+              </a:xfrm>
+              <a:prstGeom prst="rect">
+                <a:avLst/>
+              </a:prstGeom>
+              <a:noFill/>
+            </p:spPr>
+            <p:txBody>
+              <a:bodyPr wrap="square" rtlCol="0">
+                <a:spAutoFit/>
+              </a:bodyPr>
+              <a:lstStyle/>
+              <a:p>
+                <a:r>
+                  <a:rPr lang="en-US" dirty="0">
+                    <a:solidFill>
+                      <a:srgbClr val="F08A04"/>
+                    </a:solidFill>
+                    <a:latin typeface="TrebuchetMS-Bold"/>
+                  </a:rPr>
+                  <a:t>|6</a:t>
+                </a:r>
+              </a:p>
+            </p:txBody>
+          </p:sp>
+          <p:pic>
+            <p:nvPicPr>
+              <p:cNvPr id="1026" name="Picture 2" descr="Logo de Saipem aux formats PNG transparent et SVG vectorisé">
+                <a:extLst>
+                  <a:ext uri="{FF2B5EF4-FFF2-40B4-BE49-F238E27FC236}">
+                    <a16:creationId xmlns:a16="http://schemas.microsoft.com/office/drawing/2014/main" id="{E57DB6CA-224B-AA5C-284F-C59900821119}"/>
+                  </a:ext>
+                </a:extLst>
+              </p:cNvPr>
+              <p:cNvPicPr>
+                <a:picLocks noChangeAspect="1" noChangeArrowheads="1"/>
+              </p:cNvPicPr>
+              <p:nvPr/>
+            </p:nvPicPr>
+            <p:blipFill>
+              <a:blip r:embed="rId2">
+                <a:extLst>
+                  <a:ext uri="{28A0092B-C50C-407E-A947-70E740481C1C}">
+                    <a14:useLocalDpi xmlns:a14="http://schemas.microsoft.com/office/drawing/2010/main" val="0"/>
+                  </a:ext>
+                </a:extLst>
+              </a:blip>
+              <a:srcRect/>
+              <a:stretch>
+                <a:fillRect/>
+              </a:stretch>
+            </p:blipFill>
+            <p:spPr bwMode="auto">
+              <a:xfrm>
+                <a:off x="1066800" y="6172200"/>
+                <a:ext cx="1295400" cy="412740"/>
+              </a:xfrm>
+              <a:prstGeom prst="rect">
+                <a:avLst/>
+              </a:prstGeom>
+              <a:noFill/>
+              <a:extLst>
+                <a:ext uri="{909E8E84-426E-40DD-AFC4-6F175D3DCCD1}">
+                  <a14:hiddenFill xmlns:a14="http://schemas.microsoft.com/office/drawing/2010/main">
+                    <a:solidFill>
+                      <a:srgbClr val="FFFFFF"/>
+                    </a:solidFill>
+                  </a14:hiddenFill>
+                </a:ext>
+              </a:extLst>
+            </p:spPr>
+          </p:pic>
+        </p:grpSp>
+      </p:grpSp>
+      <p:pic>
+        <p:nvPicPr>
+          <p:cNvPr id="2" name="Picture 1" descr="A screenshot of a computer&#10;&#10;AI-generated content may be incorrect.">
+            <a:extLst>
+              <a:ext uri="{FF2B5EF4-FFF2-40B4-BE49-F238E27FC236}">
+                <a16:creationId xmlns:a16="http://schemas.microsoft.com/office/drawing/2014/main" id="{ADCA948A-D3B9-F25C-7947-C739BB7A02DE}"/>
+              </a:ext>
+            </a:extLst>
+          </p:cNvPr>
+          <p:cNvPicPr>
+            <a:picLocks noChangeAspect="1"/>
+          </p:cNvPicPr>
+          <p:nvPr/>
+        </p:nvPicPr>
+        <p:blipFill>
+          <a:blip r:embed="rId3">
+            <a:extLst>
+              <a:ext uri="{28A0092B-C50C-407E-A947-70E740481C1C}">
+                <a14:useLocalDpi xmlns:a14="http://schemas.microsoft.com/office/drawing/2010/main" val="0"/>
+              </a:ext>
+            </a:extLst>
+          </a:blip>
+          <a:stretch>
+            <a:fillRect/>
+          </a:stretch>
+        </p:blipFill>
+        <p:spPr>
+          <a:xfrm>
+            <a:off x="1714500" y="1118185"/>
+            <a:ext cx="8624400" cy="4849258"/>
+          </a:xfrm>
+          <a:prstGeom prst="rect">
+            <a:avLst/>
+          </a:prstGeom>
+        </p:spPr>
+      </p:pic>
+    </p:spTree>
+    <p:extLst>
+      <p:ext uri="{BB962C8B-B14F-4D97-AF65-F5344CB8AC3E}">
+        <p14:creationId xmlns:p14="http://schemas.microsoft.com/office/powerpoint/2010/main" val="467120486"/>
+      </p:ext>
+    </p:extLst>
+  </p:cSld>
+  <p:clrMapOvr>
+    <a:masterClrMapping/>
+  </p:clrMapOvr>
+</p:sld>
+</file>
+
+<file path=ppt/slides/slide7.xml><?xml version="1.0" encoding="utf-8"?>
 <p:sld xmlns:a="http://schemas.openxmlformats.org/drawingml/2006/main" xmlns:r="http://schemas.openxmlformats.org/officeDocument/2006/relationships" xmlns:p="http://schemas.openxmlformats.org/presentationml/2006/main">
   <p:cSld>
     <p:spTree>
@@ -5387,7 +7299,7 @@
 </p:sld>
 </file>
 
-<file path=ppt/slides/slide6.xml><?xml version="1.0" encoding="utf-8"?>
+<file path=ppt/slides/slide8.xml><?xml version="1.0" encoding="utf-8"?>
 <p:sld xmlns:a="http://schemas.openxmlformats.org/drawingml/2006/main" xmlns:r="http://schemas.openxmlformats.org/officeDocument/2006/relationships" xmlns:p="http://schemas.openxmlformats.org/presentationml/2006/main">
   <p:cSld>
     <p:spTree>
@@ -5479,7 +7391,7 @@
                 <a:t>é</a:t>
               </a:r>
               <a:r>
-                <a:rPr lang="en-US" sz="3600" b="1" i="0" dirty="0" err="1">
+                <a:rPr lang="fr-FR" sz="3600" b="1" i="0" noProof="0" dirty="0">
                   <a:solidFill>
                     <a:srgbClr val="22505F"/>
                   </a:solidFill>
@@ -5764,7 +7676,7 @@
 </p:sld>
 </file>
 
-<file path=ppt/slides/slide7.xml><?xml version="1.0" encoding="utf-8"?>
+<file path=ppt/slides/slide9.xml><?xml version="1.0" encoding="utf-8"?>
 <p:sld xmlns:a="http://schemas.openxmlformats.org/drawingml/2006/main" xmlns:r="http://schemas.openxmlformats.org/officeDocument/2006/relationships" xmlns:p="http://schemas.openxmlformats.org/presentationml/2006/main">
   <p:cSld>
     <p:spTree>
@@ -5836,24 +7748,15 @@
             <a:lstStyle/>
             <a:p>
               <a:r>
-                <a:rPr lang="en-US" sz="3600" b="1" dirty="0">
+                <a:rPr lang="fr-FR" sz="3600" b="1" noProof="0" dirty="0">
                   <a:solidFill>
                     <a:srgbClr val="22505F"/>
                   </a:solidFill>
                   <a:latin typeface="TrebuchetMS-Bold"/>
                 </a:rPr>
-                <a:t>Manuel </a:t>
+                <a:t>Manuel d’utilisation</a:t>
               </a:r>
-              <a:r>
-                <a:rPr lang="en-US" sz="3600" b="1" dirty="0" err="1">
-                  <a:solidFill>
-                    <a:srgbClr val="22505F"/>
-                  </a:solidFill>
-                  <a:latin typeface="TrebuchetMS-Bold"/>
-                </a:rPr>
-                <a:t>d’utilisation</a:t>
-              </a:r>
-              <a:endParaRPr lang="en-US" sz="3600" b="1" i="0" dirty="0">
+              <a:endParaRPr lang="fr-FR" sz="3600" b="1" i="0" noProof="0" dirty="0">
                 <a:solidFill>
                   <a:srgbClr val="22505F"/>
                 </a:solidFill>
@@ -6101,343 +8004,6 @@
     <p:extLst>
       <p:ext uri="{BB962C8B-B14F-4D97-AF65-F5344CB8AC3E}">
         <p14:creationId xmlns:p14="http://schemas.microsoft.com/office/powerpoint/2010/main" val="2314366832"/>
-      </p:ext>
-    </p:extLst>
-  </p:cSld>
-  <p:clrMapOvr>
-    <a:masterClrMapping/>
-  </p:clrMapOvr>
-</p:sld>
-</file>
-
-<file path=ppt/slides/slide8.xml><?xml version="1.0" encoding="utf-8"?>
-<p:sld xmlns:a="http://schemas.openxmlformats.org/drawingml/2006/main" xmlns:r="http://schemas.openxmlformats.org/officeDocument/2006/relationships" xmlns:p="http://schemas.openxmlformats.org/presentationml/2006/main">
-  <p:cSld>
-    <p:spTree>
-      <p:nvGrpSpPr>
-        <p:cNvPr id="1" name="">
-          <a:extLst>
-            <a:ext uri="{FF2B5EF4-FFF2-40B4-BE49-F238E27FC236}">
-              <a16:creationId xmlns:a16="http://schemas.microsoft.com/office/drawing/2014/main" id="{5148824E-8942-7E85-676B-DBA7C3D83490}"/>
-            </a:ext>
-          </a:extLst>
-        </p:cNvPr>
-        <p:cNvGrpSpPr/>
-        <p:nvPr/>
-      </p:nvGrpSpPr>
-      <p:grpSpPr>
-        <a:xfrm>
-          <a:off x="0" y="0"/>
-          <a:ext cx="0" cy="0"/>
-          <a:chOff x="0" y="0"/>
-          <a:chExt cx="0" cy="0"/>
-        </a:xfrm>
-      </p:grpSpPr>
-      <p:grpSp>
-        <p:nvGrpSpPr>
-          <p:cNvPr id="12" name="Group 11">
-            <a:extLst>
-              <a:ext uri="{FF2B5EF4-FFF2-40B4-BE49-F238E27FC236}">
-                <a16:creationId xmlns:a16="http://schemas.microsoft.com/office/drawing/2014/main" id="{9A878D94-1D22-6DDC-8CFB-9BD403A08CD9}"/>
-              </a:ext>
-            </a:extLst>
-          </p:cNvPr>
-          <p:cNvGrpSpPr/>
-          <p:nvPr/>
-        </p:nvGrpSpPr>
-        <p:grpSpPr>
-          <a:xfrm>
-            <a:off x="-24384" y="0"/>
-            <a:ext cx="11606784" cy="6858000"/>
-            <a:chOff x="-24384" y="0"/>
-            <a:chExt cx="11606784" cy="6858000"/>
-          </a:xfrm>
-        </p:grpSpPr>
-        <p:sp>
-          <p:nvSpPr>
-            <p:cNvPr id="7" name="TextBox 6">
-              <a:extLst>
-                <a:ext uri="{FF2B5EF4-FFF2-40B4-BE49-F238E27FC236}">
-                  <a16:creationId xmlns:a16="http://schemas.microsoft.com/office/drawing/2014/main" id="{43F237A4-EBD6-9464-17AC-69F653E69525}"/>
-                </a:ext>
-              </a:extLst>
-            </p:cNvPr>
-            <p:cNvSpPr txBox="1"/>
-            <p:nvPr/>
-          </p:nvSpPr>
-          <p:spPr>
-            <a:xfrm>
-              <a:off x="1066800" y="476934"/>
-              <a:ext cx="10515600" cy="646331"/>
-            </a:xfrm>
-            <a:prstGeom prst="rect">
-              <a:avLst/>
-            </a:prstGeom>
-            <a:noFill/>
-          </p:spPr>
-          <p:txBody>
-            <a:bodyPr wrap="square">
-              <a:spAutoFit/>
-            </a:bodyPr>
-            <a:lstStyle/>
-            <a:p>
-              <a:r>
-                <a:rPr lang="en-US" sz="3600" b="1" dirty="0">
-                  <a:solidFill>
-                    <a:srgbClr val="22505F"/>
-                  </a:solidFill>
-                  <a:latin typeface="TrebuchetMS-Bold"/>
-                </a:rPr>
-                <a:t>Perspectives</a:t>
-              </a:r>
-              <a:endParaRPr lang="en-US" sz="3600" b="1" i="0" dirty="0">
-                <a:solidFill>
-                  <a:srgbClr val="22505F"/>
-                </a:solidFill>
-                <a:effectLst/>
-                <a:latin typeface="TrebuchetMS-Bold"/>
-              </a:endParaRPr>
-            </a:p>
-          </p:txBody>
-        </p:sp>
-        <p:grpSp>
-          <p:nvGrpSpPr>
-            <p:cNvPr id="11" name="Group 10">
-              <a:extLst>
-                <a:ext uri="{FF2B5EF4-FFF2-40B4-BE49-F238E27FC236}">
-                  <a16:creationId xmlns:a16="http://schemas.microsoft.com/office/drawing/2014/main" id="{5698CCFC-5A8A-1356-8D57-DE6AB7BA0434}"/>
-                </a:ext>
-              </a:extLst>
-            </p:cNvPr>
-            <p:cNvGrpSpPr/>
-            <p:nvPr/>
-          </p:nvGrpSpPr>
-          <p:grpSpPr>
-            <a:xfrm>
-              <a:off x="-24384" y="0"/>
-              <a:ext cx="11454384" cy="6858000"/>
-              <a:chOff x="-24384" y="0"/>
-              <a:chExt cx="11454384" cy="6858000"/>
-            </a:xfrm>
-          </p:grpSpPr>
-          <p:grpSp>
-            <p:nvGrpSpPr>
-              <p:cNvPr id="10" name="Group 9">
-                <a:extLst>
-                  <a:ext uri="{FF2B5EF4-FFF2-40B4-BE49-F238E27FC236}">
-                    <a16:creationId xmlns:a16="http://schemas.microsoft.com/office/drawing/2014/main" id="{C7DD409C-70B5-4C45-2F00-699986C9EA69}"/>
-                  </a:ext>
-                </a:extLst>
-              </p:cNvPr>
-              <p:cNvGrpSpPr/>
-              <p:nvPr/>
-            </p:nvGrpSpPr>
-            <p:grpSpPr>
-              <a:xfrm>
-                <a:off x="-24384" y="0"/>
-                <a:ext cx="228600" cy="6858000"/>
-                <a:chOff x="-24384" y="0"/>
-                <a:chExt cx="228600" cy="6858000"/>
-              </a:xfrm>
-            </p:grpSpPr>
-            <p:sp>
-              <p:nvSpPr>
-                <p:cNvPr id="4" name="Rectangle 3">
-                  <a:extLst>
-                    <a:ext uri="{FF2B5EF4-FFF2-40B4-BE49-F238E27FC236}">
-                      <a16:creationId xmlns:a16="http://schemas.microsoft.com/office/drawing/2014/main" id="{1E4B4131-D51E-3997-C59E-FFCC01E16D02}"/>
-                    </a:ext>
-                  </a:extLst>
-                </p:cNvPr>
-                <p:cNvSpPr/>
-                <p:nvPr/>
-              </p:nvSpPr>
-              <p:spPr>
-                <a:xfrm>
-                  <a:off x="-24384" y="1600200"/>
-                  <a:ext cx="228600" cy="5257800"/>
-                </a:xfrm>
-                <a:prstGeom prst="rect">
-                  <a:avLst/>
-                </a:prstGeom>
-                <a:solidFill>
-                  <a:srgbClr val="224C5A"/>
-                </a:solidFill>
-                <a:ln>
-                  <a:noFill/>
-                </a:ln>
-              </p:spPr>
-              <p:style>
-                <a:lnRef idx="2">
-                  <a:schemeClr val="accent1">
-                    <a:shade val="15000"/>
-                  </a:schemeClr>
-                </a:lnRef>
-                <a:fillRef idx="1">
-                  <a:schemeClr val="accent1"/>
-                </a:fillRef>
-                <a:effectRef idx="0">
-                  <a:schemeClr val="accent1"/>
-                </a:effectRef>
-                <a:fontRef idx="minor">
-                  <a:schemeClr val="lt1"/>
-                </a:fontRef>
-              </p:style>
-              <p:txBody>
-                <a:bodyPr rtlCol="0" anchor="ctr"/>
-                <a:lstStyle/>
-                <a:p>
-                  <a:pPr algn="ctr"/>
-                  <a:endParaRPr lang="en-US" dirty="0"/>
-                </a:p>
-              </p:txBody>
-            </p:sp>
-            <p:sp>
-              <p:nvSpPr>
-                <p:cNvPr id="5" name="Rectangle 4">
-                  <a:extLst>
-                    <a:ext uri="{FF2B5EF4-FFF2-40B4-BE49-F238E27FC236}">
-                      <a16:creationId xmlns:a16="http://schemas.microsoft.com/office/drawing/2014/main" id="{6812604F-ED00-69C1-CCCD-EEBEB4F44BBB}"/>
-                    </a:ext>
-                  </a:extLst>
-                </p:cNvPr>
-                <p:cNvSpPr/>
-                <p:nvPr/>
-              </p:nvSpPr>
-              <p:spPr>
-                <a:xfrm>
-                  <a:off x="-24384" y="0"/>
-                  <a:ext cx="228600" cy="1600200"/>
-                </a:xfrm>
-                <a:prstGeom prst="rect">
-                  <a:avLst/>
-                </a:prstGeom>
-                <a:solidFill>
-                  <a:srgbClr val="F08A04"/>
-                </a:solidFill>
-                <a:ln>
-                  <a:noFill/>
-                </a:ln>
-              </p:spPr>
-              <p:style>
-                <a:lnRef idx="2">
-                  <a:schemeClr val="accent1">
-                    <a:shade val="15000"/>
-                  </a:schemeClr>
-                </a:lnRef>
-                <a:fillRef idx="1">
-                  <a:schemeClr val="accent1"/>
-                </a:fillRef>
-                <a:effectRef idx="0">
-                  <a:schemeClr val="accent1"/>
-                </a:effectRef>
-                <a:fontRef idx="minor">
-                  <a:schemeClr val="lt1"/>
-                </a:fontRef>
-              </p:style>
-              <p:txBody>
-                <a:bodyPr rtlCol="0" anchor="ctr"/>
-                <a:lstStyle/>
-                <a:p>
-                  <a:pPr algn="ctr"/>
-                  <a:endParaRPr lang="en-US"/>
-                </a:p>
-              </p:txBody>
-            </p:sp>
-          </p:grpSp>
-          <p:sp>
-            <p:nvSpPr>
-              <p:cNvPr id="9" name="TextBox 8">
-                <a:extLst>
-                  <a:ext uri="{FF2B5EF4-FFF2-40B4-BE49-F238E27FC236}">
-                    <a16:creationId xmlns:a16="http://schemas.microsoft.com/office/drawing/2014/main" id="{55783E28-CD9F-89D8-7982-C253A1C26386}"/>
-                  </a:ext>
-                </a:extLst>
-              </p:cNvPr>
-              <p:cNvSpPr txBox="1"/>
-              <p:nvPr/>
-            </p:nvSpPr>
-            <p:spPr>
-              <a:xfrm>
-                <a:off x="10668000" y="6172200"/>
-                <a:ext cx="762000" cy="369332"/>
-              </a:xfrm>
-              <a:prstGeom prst="rect">
-                <a:avLst/>
-              </a:prstGeom>
-              <a:noFill/>
-            </p:spPr>
-            <p:txBody>
-              <a:bodyPr wrap="square" rtlCol="0">
-                <a:spAutoFit/>
-              </a:bodyPr>
-              <a:lstStyle/>
-              <a:p>
-                <a:r>
-                  <a:rPr lang="en-US" dirty="0">
-                    <a:solidFill>
-                      <a:srgbClr val="F08A04"/>
-                    </a:solidFill>
-                    <a:latin typeface="TrebuchetMS-Bold"/>
-                  </a:rPr>
-                  <a:t>|page</a:t>
-                </a:r>
-              </a:p>
-            </p:txBody>
-          </p:sp>
-          <p:pic>
-            <p:nvPicPr>
-              <p:cNvPr id="1026" name="Picture 2" descr="Logo de Saipem aux formats PNG transparent et SVG vectorisé">
-                <a:extLst>
-                  <a:ext uri="{FF2B5EF4-FFF2-40B4-BE49-F238E27FC236}">
-                    <a16:creationId xmlns:a16="http://schemas.microsoft.com/office/drawing/2014/main" id="{866F9A0B-94C0-F2C0-22E8-931329247453}"/>
-                  </a:ext>
-                </a:extLst>
-              </p:cNvPr>
-              <p:cNvPicPr>
-                <a:picLocks noChangeAspect="1" noChangeArrowheads="1"/>
-              </p:cNvPicPr>
-              <p:nvPr/>
-            </p:nvPicPr>
-            <p:blipFill>
-              <a:blip r:embed="rId2">
-                <a:extLst>
-                  <a:ext uri="{28A0092B-C50C-407E-A947-70E740481C1C}">
-                    <a14:useLocalDpi xmlns:a14="http://schemas.microsoft.com/office/drawing/2010/main" val="0"/>
-                  </a:ext>
-                </a:extLst>
-              </a:blip>
-              <a:srcRect/>
-              <a:stretch>
-                <a:fillRect/>
-              </a:stretch>
-            </p:blipFill>
-            <p:spPr bwMode="auto">
-              <a:xfrm>
-                <a:off x="1066800" y="6172200"/>
-                <a:ext cx="1295400" cy="412740"/>
-              </a:xfrm>
-              <a:prstGeom prst="rect">
-                <a:avLst/>
-              </a:prstGeom>
-              <a:noFill/>
-              <a:extLst>
-                <a:ext uri="{909E8E84-426E-40DD-AFC4-6F175D3DCCD1}">
-                  <a14:hiddenFill xmlns:a14="http://schemas.microsoft.com/office/drawing/2010/main">
-                    <a:solidFill>
-                      <a:srgbClr val="FFFFFF"/>
-                    </a:solidFill>
-                  </a14:hiddenFill>
-                </a:ext>
-              </a:extLst>
-            </p:spPr>
-          </p:pic>
-        </p:grpSp>
-      </p:grpSp>
-    </p:spTree>
-    <p:extLst>
-      <p:ext uri="{BB962C8B-B14F-4D97-AF65-F5344CB8AC3E}">
-        <p14:creationId xmlns:p14="http://schemas.microsoft.com/office/powerpoint/2010/main" val="4001672700"/>
       </p:ext>
     </p:extLst>
   </p:cSld>

--- a/ProjectInfo/Presentation.pptx
+++ b/ProjectInfo/Presentation.pptx
@@ -5,7 +5,7 @@
     <p:sldMasterId id="2147483648" r:id="rId1"/>
   </p:sldMasterIdLst>
   <p:notesMasterIdLst>
-    <p:notesMasterId r:id="rId12"/>
+    <p:notesMasterId r:id="rId13"/>
   </p:notesMasterIdLst>
   <p:sldIdLst>
     <p:sldId id="258" r:id="rId2"/>
@@ -15,9 +15,10 @@
     <p:sldId id="265" r:id="rId6"/>
     <p:sldId id="266" r:id="rId7"/>
     <p:sldId id="261" r:id="rId8"/>
-    <p:sldId id="262" r:id="rId9"/>
-    <p:sldId id="263" r:id="rId10"/>
-    <p:sldId id="264" r:id="rId11"/>
+    <p:sldId id="267" r:id="rId9"/>
+    <p:sldId id="262" r:id="rId10"/>
+    <p:sldId id="263" r:id="rId11"/>
+    <p:sldId id="264" r:id="rId12"/>
   </p:sldIdLst>
   <p:sldSz cx="12192000" cy="6858000"/>
   <p:notesSz cx="6858000" cy="9144000"/>
@@ -184,7 +185,7 @@
             </a:lvl1pPr>
           </a:lstStyle>
           <a:p>
-            <a:endParaRPr lang="en-US"/>
+            <a:endParaRPr lang="en-US" dirty="0"/>
           </a:p>
         </p:txBody>
       </p:sp>
@@ -217,9 +218,9 @@
           <a:p>
             <a:fld id="{0BD18243-4ECE-4B63-9597-9C6A5FB88A33}" type="datetimeFigureOut">
               <a:rPr lang="en-US" smtClean="0"/>
-              <a:t>7/15/2025</a:t>
+              <a:t>7/16/2025</a:t>
             </a:fld>
-            <a:endParaRPr lang="en-US"/>
+            <a:endParaRPr lang="en-US" dirty="0"/>
           </a:p>
         </p:txBody>
       </p:sp>
@@ -252,7 +253,7 @@
           <a:bodyPr vert="horz" lIns="91440" tIns="45720" rIns="91440" bIns="45720" rtlCol="0" anchor="ctr"/>
           <a:lstStyle/>
           <a:p>
-            <a:endParaRPr lang="en-US"/>
+            <a:endParaRPr lang="en-US" dirty="0"/>
           </a:p>
         </p:txBody>
       </p:sp>
@@ -342,7 +343,7 @@
             </a:lvl1pPr>
           </a:lstStyle>
           <a:p>
-            <a:endParaRPr lang="en-US"/>
+            <a:endParaRPr lang="en-US" dirty="0"/>
           </a:p>
         </p:txBody>
       </p:sp>
@@ -377,7 +378,7 @@
               <a:rPr lang="en-US" smtClean="0"/>
               <a:t>‹#›</a:t>
             </a:fld>
-            <a:endParaRPr lang="en-US"/>
+            <a:endParaRPr lang="en-US" dirty="0"/>
           </a:p>
         </p:txBody>
       </p:sp>
@@ -631,9 +632,9 @@
           <a:p>
             <a:fld id="{7FF9C854-8941-4166-9A25-1A157B71C47E}" type="datetime1">
               <a:rPr lang="en-US" smtClean="0"/>
-              <a:t>7/15/2025</a:t>
+              <a:t>7/16/2025</a:t>
             </a:fld>
-            <a:endParaRPr lang="en-US"/>
+            <a:endParaRPr lang="en-US" dirty="0"/>
           </a:p>
         </p:txBody>
       </p:sp>
@@ -658,7 +659,7 @@
           <a:bodyPr/>
           <a:lstStyle/>
           <a:p>
-            <a:endParaRPr lang="en-US"/>
+            <a:endParaRPr lang="en-US" dirty="0"/>
           </a:p>
         </p:txBody>
       </p:sp>
@@ -687,7 +688,7 @@
               <a:rPr lang="en-US" smtClean="0"/>
               <a:t>‹#›</a:t>
             </a:fld>
-            <a:endParaRPr lang="en-US"/>
+            <a:endParaRPr lang="en-US" dirty="0"/>
           </a:p>
         </p:txBody>
       </p:sp>
@@ -829,9 +830,9 @@
           <a:p>
             <a:fld id="{7918B07C-8A5E-470E-884B-DC1ED9C4A1BF}" type="datetime1">
               <a:rPr lang="en-US" smtClean="0"/>
-              <a:t>7/15/2025</a:t>
+              <a:t>7/16/2025</a:t>
             </a:fld>
-            <a:endParaRPr lang="en-US"/>
+            <a:endParaRPr lang="en-US" dirty="0"/>
           </a:p>
         </p:txBody>
       </p:sp>
@@ -856,7 +857,7 @@
           <a:bodyPr/>
           <a:lstStyle/>
           <a:p>
-            <a:endParaRPr lang="en-US"/>
+            <a:endParaRPr lang="en-US" dirty="0"/>
           </a:p>
         </p:txBody>
       </p:sp>
@@ -885,7 +886,7 @@
               <a:rPr lang="en-US" smtClean="0"/>
               <a:t>‹#›</a:t>
             </a:fld>
-            <a:endParaRPr lang="en-US"/>
+            <a:endParaRPr lang="en-US" dirty="0"/>
           </a:p>
         </p:txBody>
       </p:sp>
@@ -1037,9 +1038,9 @@
           <a:p>
             <a:fld id="{B8C272E1-AB0E-41EE-8156-B3B5DC9609AA}" type="datetime1">
               <a:rPr lang="en-US" smtClean="0"/>
-              <a:t>7/15/2025</a:t>
+              <a:t>7/16/2025</a:t>
             </a:fld>
-            <a:endParaRPr lang="en-US"/>
+            <a:endParaRPr lang="en-US" dirty="0"/>
           </a:p>
         </p:txBody>
       </p:sp>
@@ -1064,7 +1065,7 @@
           <a:bodyPr/>
           <a:lstStyle/>
           <a:p>
-            <a:endParaRPr lang="en-US"/>
+            <a:endParaRPr lang="en-US" dirty="0"/>
           </a:p>
         </p:txBody>
       </p:sp>
@@ -1093,7 +1094,7 @@
               <a:rPr lang="en-US" smtClean="0"/>
               <a:t>‹#›</a:t>
             </a:fld>
-            <a:endParaRPr lang="en-US"/>
+            <a:endParaRPr lang="en-US" dirty="0"/>
           </a:p>
         </p:txBody>
       </p:sp>
@@ -1235,9 +1236,9 @@
           <a:p>
             <a:fld id="{8CCFF2CF-D6E1-46D4-9E00-A2D7EB3235DC}" type="datetime1">
               <a:rPr lang="en-US" smtClean="0"/>
-              <a:t>7/15/2025</a:t>
+              <a:t>7/16/2025</a:t>
             </a:fld>
-            <a:endParaRPr lang="en-US"/>
+            <a:endParaRPr lang="en-US" dirty="0"/>
           </a:p>
         </p:txBody>
       </p:sp>
@@ -1262,7 +1263,7 @@
           <a:bodyPr/>
           <a:lstStyle/>
           <a:p>
-            <a:endParaRPr lang="en-US"/>
+            <a:endParaRPr lang="en-US" dirty="0"/>
           </a:p>
         </p:txBody>
       </p:sp>
@@ -1291,7 +1292,7 @@
               <a:rPr lang="en-US" smtClean="0"/>
               <a:t>‹#›</a:t>
             </a:fld>
-            <a:endParaRPr lang="en-US"/>
+            <a:endParaRPr lang="en-US" dirty="0"/>
           </a:p>
         </p:txBody>
       </p:sp>
@@ -1510,9 +1511,9 @@
           <a:p>
             <a:fld id="{9F321385-7735-4FF9-B4C2-98FE7537335F}" type="datetime1">
               <a:rPr lang="en-US" smtClean="0"/>
-              <a:t>7/15/2025</a:t>
+              <a:t>7/16/2025</a:t>
             </a:fld>
-            <a:endParaRPr lang="en-US"/>
+            <a:endParaRPr lang="en-US" dirty="0"/>
           </a:p>
         </p:txBody>
       </p:sp>
@@ -1537,7 +1538,7 @@
           <a:bodyPr/>
           <a:lstStyle/>
           <a:p>
-            <a:endParaRPr lang="en-US"/>
+            <a:endParaRPr lang="en-US" dirty="0"/>
           </a:p>
         </p:txBody>
       </p:sp>
@@ -1566,7 +1567,7 @@
               <a:rPr lang="en-US" smtClean="0"/>
               <a:t>‹#›</a:t>
             </a:fld>
-            <a:endParaRPr lang="en-US"/>
+            <a:endParaRPr lang="en-US" dirty="0"/>
           </a:p>
         </p:txBody>
       </p:sp>
@@ -1775,9 +1776,9 @@
           <a:p>
             <a:fld id="{55680E5C-2969-4F41-AB57-307A7D92F124}" type="datetime1">
               <a:rPr lang="en-US" smtClean="0"/>
-              <a:t>7/15/2025</a:t>
+              <a:t>7/16/2025</a:t>
             </a:fld>
-            <a:endParaRPr lang="en-US"/>
+            <a:endParaRPr lang="en-US" dirty="0"/>
           </a:p>
         </p:txBody>
       </p:sp>
@@ -1802,7 +1803,7 @@
           <a:bodyPr/>
           <a:lstStyle/>
           <a:p>
-            <a:endParaRPr lang="en-US"/>
+            <a:endParaRPr lang="en-US" dirty="0"/>
           </a:p>
         </p:txBody>
       </p:sp>
@@ -1831,7 +1832,7 @@
               <a:rPr lang="en-US" smtClean="0"/>
               <a:t>‹#›</a:t>
             </a:fld>
-            <a:endParaRPr lang="en-US"/>
+            <a:endParaRPr lang="en-US" dirty="0"/>
           </a:p>
         </p:txBody>
       </p:sp>
@@ -2187,9 +2188,9 @@
           <a:p>
             <a:fld id="{6DE1D234-E99B-472C-9BCC-87537EBB2A92}" type="datetime1">
               <a:rPr lang="en-US" smtClean="0"/>
-              <a:t>7/15/2025</a:t>
+              <a:t>7/16/2025</a:t>
             </a:fld>
-            <a:endParaRPr lang="en-US"/>
+            <a:endParaRPr lang="en-US" dirty="0"/>
           </a:p>
         </p:txBody>
       </p:sp>
@@ -2214,7 +2215,7 @@
           <a:bodyPr/>
           <a:lstStyle/>
           <a:p>
-            <a:endParaRPr lang="en-US"/>
+            <a:endParaRPr lang="en-US" dirty="0"/>
           </a:p>
         </p:txBody>
       </p:sp>
@@ -2243,7 +2244,7 @@
               <a:rPr lang="en-US" smtClean="0"/>
               <a:t>‹#›</a:t>
             </a:fld>
-            <a:endParaRPr lang="en-US"/>
+            <a:endParaRPr lang="en-US" dirty="0"/>
           </a:p>
         </p:txBody>
       </p:sp>
@@ -2328,9 +2329,9 @@
           <a:p>
             <a:fld id="{2EBDCB28-FFE5-4491-A428-C4E68F8C263E}" type="datetime1">
               <a:rPr lang="en-US" smtClean="0"/>
-              <a:t>7/15/2025</a:t>
+              <a:t>7/16/2025</a:t>
             </a:fld>
-            <a:endParaRPr lang="en-US"/>
+            <a:endParaRPr lang="en-US" dirty="0"/>
           </a:p>
         </p:txBody>
       </p:sp>
@@ -2355,7 +2356,7 @@
           <a:bodyPr/>
           <a:lstStyle/>
           <a:p>
-            <a:endParaRPr lang="en-US"/>
+            <a:endParaRPr lang="en-US" dirty="0"/>
           </a:p>
         </p:txBody>
       </p:sp>
@@ -2384,7 +2385,7 @@
               <a:rPr lang="en-US" smtClean="0"/>
               <a:t>‹#›</a:t>
             </a:fld>
-            <a:endParaRPr lang="en-US"/>
+            <a:endParaRPr lang="en-US" dirty="0"/>
           </a:p>
         </p:txBody>
       </p:sp>
@@ -2441,9 +2442,9 @@
           <a:p>
             <a:fld id="{EFC144ED-FA14-4BA5-A642-28954DA157A1}" type="datetime1">
               <a:rPr lang="en-US" smtClean="0"/>
-              <a:t>7/15/2025</a:t>
+              <a:t>7/16/2025</a:t>
             </a:fld>
-            <a:endParaRPr lang="en-US"/>
+            <a:endParaRPr lang="en-US" dirty="0"/>
           </a:p>
         </p:txBody>
       </p:sp>
@@ -2468,7 +2469,7 @@
           <a:bodyPr/>
           <a:lstStyle/>
           <a:p>
-            <a:endParaRPr lang="en-US"/>
+            <a:endParaRPr lang="en-US" dirty="0"/>
           </a:p>
         </p:txBody>
       </p:sp>
@@ -2497,7 +2498,7 @@
               <a:rPr lang="en-US" smtClean="0"/>
               <a:t>‹#›</a:t>
             </a:fld>
-            <a:endParaRPr lang="en-US"/>
+            <a:endParaRPr lang="en-US" dirty="0"/>
           </a:p>
         </p:txBody>
       </p:sp>
@@ -2752,9 +2753,9 @@
           <a:p>
             <a:fld id="{4B56549F-CC9D-4D8F-98AD-DD73E43475B5}" type="datetime1">
               <a:rPr lang="en-US" smtClean="0"/>
-              <a:t>7/15/2025</a:t>
+              <a:t>7/16/2025</a:t>
             </a:fld>
-            <a:endParaRPr lang="en-US"/>
+            <a:endParaRPr lang="en-US" dirty="0"/>
           </a:p>
         </p:txBody>
       </p:sp>
@@ -2779,7 +2780,7 @@
           <a:bodyPr/>
           <a:lstStyle/>
           <a:p>
-            <a:endParaRPr lang="en-US"/>
+            <a:endParaRPr lang="en-US" dirty="0"/>
           </a:p>
         </p:txBody>
       </p:sp>
@@ -2808,7 +2809,7 @@
               <a:rPr lang="en-US" smtClean="0"/>
               <a:t>‹#›</a:t>
             </a:fld>
-            <a:endParaRPr lang="en-US"/>
+            <a:endParaRPr lang="en-US" dirty="0"/>
           </a:p>
         </p:txBody>
       </p:sp>
@@ -2942,7 +2943,7 @@
             </a:lvl9pPr>
           </a:lstStyle>
           <a:p>
-            <a:endParaRPr lang="en-US"/>
+            <a:endParaRPr lang="en-US" dirty="0"/>
           </a:p>
         </p:txBody>
       </p:sp>
@@ -3040,9 +3041,9 @@
           <a:p>
             <a:fld id="{CD1EB22D-BCCC-43A5-AF73-6C745F6B2770}" type="datetime1">
               <a:rPr lang="en-US" smtClean="0"/>
-              <a:t>7/15/2025</a:t>
+              <a:t>7/16/2025</a:t>
             </a:fld>
-            <a:endParaRPr lang="en-US"/>
+            <a:endParaRPr lang="en-US" dirty="0"/>
           </a:p>
         </p:txBody>
       </p:sp>
@@ -3067,7 +3068,7 @@
           <a:bodyPr/>
           <a:lstStyle/>
           <a:p>
-            <a:endParaRPr lang="en-US"/>
+            <a:endParaRPr lang="en-US" dirty="0"/>
           </a:p>
         </p:txBody>
       </p:sp>
@@ -3096,7 +3097,7 @@
               <a:rPr lang="en-US" smtClean="0"/>
               <a:t>‹#›</a:t>
             </a:fld>
-            <a:endParaRPr lang="en-US"/>
+            <a:endParaRPr lang="en-US" dirty="0"/>
           </a:p>
         </p:txBody>
       </p:sp>
@@ -3281,9 +3282,9 @@
           <a:p>
             <a:fld id="{A5B2B531-6FA2-49D5-B9DB-968DD9D22B8C}" type="datetime1">
               <a:rPr lang="en-US" smtClean="0"/>
-              <a:t>7/15/2025</a:t>
+              <a:t>7/16/2025</a:t>
             </a:fld>
-            <a:endParaRPr lang="en-US"/>
+            <a:endParaRPr lang="en-US" dirty="0"/>
           </a:p>
         </p:txBody>
       </p:sp>
@@ -3326,7 +3327,7 @@
             </a:lvl1pPr>
           </a:lstStyle>
           <a:p>
-            <a:endParaRPr lang="en-US"/>
+            <a:endParaRPr lang="en-US" dirty="0"/>
           </a:p>
         </p:txBody>
       </p:sp>
@@ -3373,7 +3374,7 @@
               <a:rPr lang="en-US" smtClean="0"/>
               <a:t>‹#›</a:t>
             </a:fld>
-            <a:endParaRPr lang="en-US"/>
+            <a:endParaRPr lang="en-US" dirty="0"/>
           </a:p>
         </p:txBody>
       </p:sp>
@@ -3412,7 +3413,7 @@
           <a:p>
             <a:pPr algn="l"/>
             <a:r>
-              <a:rPr lang="en-US" sz="800">
+              <a:rPr lang="en-US" sz="800" dirty="0">
                 <a:solidFill>
                   <a:srgbClr val="22505F">
                     <a:alpha val="50000"/>
@@ -3882,7 +3883,7 @@
                 </a:solidFill>
                 <a:latin typeface="TrebuchetMS-Bold"/>
               </a:rPr>
-              <a:t>23 Juillet 2025</a:t>
+              <a:t>23 July 2025</a:t>
             </a:r>
           </a:p>
         </p:txBody>
@@ -4029,6 +4030,343 @@
 </file>
 
 <file path=ppt/slides/slide10.xml><?xml version="1.0" encoding="utf-8"?>
+<p:sld xmlns:a="http://schemas.openxmlformats.org/drawingml/2006/main" xmlns:r="http://schemas.openxmlformats.org/officeDocument/2006/relationships" xmlns:p="http://schemas.openxmlformats.org/presentationml/2006/main">
+  <p:cSld>
+    <p:spTree>
+      <p:nvGrpSpPr>
+        <p:cNvPr id="1" name="">
+          <a:extLst>
+            <a:ext uri="{FF2B5EF4-FFF2-40B4-BE49-F238E27FC236}">
+              <a16:creationId xmlns:a16="http://schemas.microsoft.com/office/drawing/2014/main" id="{513408C0-3DA0-531A-2F9A-797500CCED73}"/>
+            </a:ext>
+          </a:extLst>
+        </p:cNvPr>
+        <p:cNvGrpSpPr/>
+        <p:nvPr/>
+      </p:nvGrpSpPr>
+      <p:grpSpPr>
+        <a:xfrm>
+          <a:off x="0" y="0"/>
+          <a:ext cx="0" cy="0"/>
+          <a:chOff x="0" y="0"/>
+          <a:chExt cx="0" cy="0"/>
+        </a:xfrm>
+      </p:grpSpPr>
+      <p:grpSp>
+        <p:nvGrpSpPr>
+          <p:cNvPr id="12" name="Group 11">
+            <a:extLst>
+              <a:ext uri="{FF2B5EF4-FFF2-40B4-BE49-F238E27FC236}">
+                <a16:creationId xmlns:a16="http://schemas.microsoft.com/office/drawing/2014/main" id="{16540CA8-DE5F-3DCE-8739-7D6DA7E8B93D}"/>
+              </a:ext>
+            </a:extLst>
+          </p:cNvPr>
+          <p:cNvGrpSpPr/>
+          <p:nvPr/>
+        </p:nvGrpSpPr>
+        <p:grpSpPr>
+          <a:xfrm>
+            <a:off x="-24384" y="0"/>
+            <a:ext cx="11606784" cy="6858000"/>
+            <a:chOff x="-24384" y="0"/>
+            <a:chExt cx="11606784" cy="6858000"/>
+          </a:xfrm>
+        </p:grpSpPr>
+        <p:sp>
+          <p:nvSpPr>
+            <p:cNvPr id="7" name="TextBox 6">
+              <a:extLst>
+                <a:ext uri="{FF2B5EF4-FFF2-40B4-BE49-F238E27FC236}">
+                  <a16:creationId xmlns:a16="http://schemas.microsoft.com/office/drawing/2014/main" id="{C0913D10-F98B-DC22-526B-B070B042C105}"/>
+                </a:ext>
+              </a:extLst>
+            </p:cNvPr>
+            <p:cNvSpPr txBox="1"/>
+            <p:nvPr/>
+          </p:nvSpPr>
+          <p:spPr>
+            <a:xfrm>
+              <a:off x="1066800" y="476934"/>
+              <a:ext cx="10515600" cy="646331"/>
+            </a:xfrm>
+            <a:prstGeom prst="rect">
+              <a:avLst/>
+            </a:prstGeom>
+            <a:noFill/>
+          </p:spPr>
+          <p:txBody>
+            <a:bodyPr wrap="square">
+              <a:spAutoFit/>
+            </a:bodyPr>
+            <a:lstStyle/>
+            <a:p>
+              <a:r>
+                <a:rPr lang="fr-FR" sz="3600" b="1" noProof="0" dirty="0">
+                  <a:solidFill>
+                    <a:srgbClr val="22505F"/>
+                  </a:solidFill>
+                  <a:latin typeface="TrebuchetMS-Bold"/>
+                </a:rPr>
+                <a:t>User Manual</a:t>
+              </a:r>
+              <a:endParaRPr lang="fr-FR" sz="3600" b="1" i="0" noProof="0" dirty="0">
+                <a:solidFill>
+                  <a:srgbClr val="22505F"/>
+                </a:solidFill>
+                <a:effectLst/>
+                <a:latin typeface="TrebuchetMS-Bold"/>
+              </a:endParaRPr>
+            </a:p>
+          </p:txBody>
+        </p:sp>
+        <p:grpSp>
+          <p:nvGrpSpPr>
+            <p:cNvPr id="11" name="Group 10">
+              <a:extLst>
+                <a:ext uri="{FF2B5EF4-FFF2-40B4-BE49-F238E27FC236}">
+                  <a16:creationId xmlns:a16="http://schemas.microsoft.com/office/drawing/2014/main" id="{51BBEA04-0E63-6DB0-71C9-44D9C7F94731}"/>
+                </a:ext>
+              </a:extLst>
+            </p:cNvPr>
+            <p:cNvGrpSpPr/>
+            <p:nvPr/>
+          </p:nvGrpSpPr>
+          <p:grpSpPr>
+            <a:xfrm>
+              <a:off x="-24384" y="0"/>
+              <a:ext cx="11454384" cy="6858000"/>
+              <a:chOff x="-24384" y="0"/>
+              <a:chExt cx="11454384" cy="6858000"/>
+            </a:xfrm>
+          </p:grpSpPr>
+          <p:grpSp>
+            <p:nvGrpSpPr>
+              <p:cNvPr id="10" name="Group 9">
+                <a:extLst>
+                  <a:ext uri="{FF2B5EF4-FFF2-40B4-BE49-F238E27FC236}">
+                    <a16:creationId xmlns:a16="http://schemas.microsoft.com/office/drawing/2014/main" id="{80F59F79-DFA2-1306-BDF7-AEE17A2D0C22}"/>
+                  </a:ext>
+                </a:extLst>
+              </p:cNvPr>
+              <p:cNvGrpSpPr/>
+              <p:nvPr/>
+            </p:nvGrpSpPr>
+            <p:grpSpPr>
+              <a:xfrm>
+                <a:off x="-24384" y="0"/>
+                <a:ext cx="228600" cy="6858000"/>
+                <a:chOff x="-24384" y="0"/>
+                <a:chExt cx="228600" cy="6858000"/>
+              </a:xfrm>
+            </p:grpSpPr>
+            <p:sp>
+              <p:nvSpPr>
+                <p:cNvPr id="4" name="Rectangle 3">
+                  <a:extLst>
+                    <a:ext uri="{FF2B5EF4-FFF2-40B4-BE49-F238E27FC236}">
+                      <a16:creationId xmlns:a16="http://schemas.microsoft.com/office/drawing/2014/main" id="{C598D20F-F431-E3EE-22E7-F884ECB2D14B}"/>
+                    </a:ext>
+                  </a:extLst>
+                </p:cNvPr>
+                <p:cNvSpPr/>
+                <p:nvPr/>
+              </p:nvSpPr>
+              <p:spPr>
+                <a:xfrm>
+                  <a:off x="-24384" y="1600200"/>
+                  <a:ext cx="228600" cy="5257800"/>
+                </a:xfrm>
+                <a:prstGeom prst="rect">
+                  <a:avLst/>
+                </a:prstGeom>
+                <a:solidFill>
+                  <a:srgbClr val="224C5A"/>
+                </a:solidFill>
+                <a:ln>
+                  <a:noFill/>
+                </a:ln>
+              </p:spPr>
+              <p:style>
+                <a:lnRef idx="2">
+                  <a:schemeClr val="accent1">
+                    <a:shade val="15000"/>
+                  </a:schemeClr>
+                </a:lnRef>
+                <a:fillRef idx="1">
+                  <a:schemeClr val="accent1"/>
+                </a:fillRef>
+                <a:effectRef idx="0">
+                  <a:schemeClr val="accent1"/>
+                </a:effectRef>
+                <a:fontRef idx="minor">
+                  <a:schemeClr val="lt1"/>
+                </a:fontRef>
+              </p:style>
+              <p:txBody>
+                <a:bodyPr rtlCol="0" anchor="ctr"/>
+                <a:lstStyle/>
+                <a:p>
+                  <a:pPr algn="ctr"/>
+                  <a:endParaRPr lang="en-US" dirty="0"/>
+                </a:p>
+              </p:txBody>
+            </p:sp>
+            <p:sp>
+              <p:nvSpPr>
+                <p:cNvPr id="5" name="Rectangle 4">
+                  <a:extLst>
+                    <a:ext uri="{FF2B5EF4-FFF2-40B4-BE49-F238E27FC236}">
+                      <a16:creationId xmlns:a16="http://schemas.microsoft.com/office/drawing/2014/main" id="{154B7FFB-CD19-1A38-4293-0D0D7A2B5ABF}"/>
+                    </a:ext>
+                  </a:extLst>
+                </p:cNvPr>
+                <p:cNvSpPr/>
+                <p:nvPr/>
+              </p:nvSpPr>
+              <p:spPr>
+                <a:xfrm>
+                  <a:off x="-24384" y="0"/>
+                  <a:ext cx="228600" cy="1600200"/>
+                </a:xfrm>
+                <a:prstGeom prst="rect">
+                  <a:avLst/>
+                </a:prstGeom>
+                <a:solidFill>
+                  <a:srgbClr val="F08A04"/>
+                </a:solidFill>
+                <a:ln>
+                  <a:noFill/>
+                </a:ln>
+              </p:spPr>
+              <p:style>
+                <a:lnRef idx="2">
+                  <a:schemeClr val="accent1">
+                    <a:shade val="15000"/>
+                  </a:schemeClr>
+                </a:lnRef>
+                <a:fillRef idx="1">
+                  <a:schemeClr val="accent1"/>
+                </a:fillRef>
+                <a:effectRef idx="0">
+                  <a:schemeClr val="accent1"/>
+                </a:effectRef>
+                <a:fontRef idx="minor">
+                  <a:schemeClr val="lt1"/>
+                </a:fontRef>
+              </p:style>
+              <p:txBody>
+                <a:bodyPr rtlCol="0" anchor="ctr"/>
+                <a:lstStyle/>
+                <a:p>
+                  <a:pPr algn="ctr"/>
+                  <a:endParaRPr lang="en-US" dirty="0"/>
+                </a:p>
+              </p:txBody>
+            </p:sp>
+          </p:grpSp>
+          <p:sp>
+            <p:nvSpPr>
+              <p:cNvPr id="9" name="TextBox 8">
+                <a:extLst>
+                  <a:ext uri="{FF2B5EF4-FFF2-40B4-BE49-F238E27FC236}">
+                    <a16:creationId xmlns:a16="http://schemas.microsoft.com/office/drawing/2014/main" id="{2DE335B7-7001-1A2A-DC3B-45B4F4530D0B}"/>
+                  </a:ext>
+                </a:extLst>
+              </p:cNvPr>
+              <p:cNvSpPr txBox="1"/>
+              <p:nvPr/>
+            </p:nvSpPr>
+            <p:spPr>
+              <a:xfrm>
+                <a:off x="10668000" y="6172200"/>
+                <a:ext cx="762000" cy="369332"/>
+              </a:xfrm>
+              <a:prstGeom prst="rect">
+                <a:avLst/>
+              </a:prstGeom>
+              <a:noFill/>
+            </p:spPr>
+            <p:txBody>
+              <a:bodyPr wrap="square" rtlCol="0">
+                <a:spAutoFit/>
+              </a:bodyPr>
+              <a:lstStyle/>
+              <a:p>
+                <a:r>
+                  <a:rPr lang="en-US" dirty="0">
+                    <a:solidFill>
+                      <a:srgbClr val="F08A04"/>
+                    </a:solidFill>
+                    <a:latin typeface="TrebuchetMS-Bold"/>
+                  </a:rPr>
+                  <a:t>|page</a:t>
+                </a:r>
+              </a:p>
+            </p:txBody>
+          </p:sp>
+          <p:pic>
+            <p:nvPicPr>
+              <p:cNvPr id="1026" name="Picture 2" descr="Logo de Saipem aux formats PNG transparent et SVG vectorisé">
+                <a:extLst>
+                  <a:ext uri="{FF2B5EF4-FFF2-40B4-BE49-F238E27FC236}">
+                    <a16:creationId xmlns:a16="http://schemas.microsoft.com/office/drawing/2014/main" id="{C0123F78-18C7-8D66-477D-218F762C26A6}"/>
+                  </a:ext>
+                </a:extLst>
+              </p:cNvPr>
+              <p:cNvPicPr>
+                <a:picLocks noChangeAspect="1" noChangeArrowheads="1"/>
+              </p:cNvPicPr>
+              <p:nvPr/>
+            </p:nvPicPr>
+            <p:blipFill>
+              <a:blip r:embed="rId2">
+                <a:extLst>
+                  <a:ext uri="{28A0092B-C50C-407E-A947-70E740481C1C}">
+                    <a14:useLocalDpi xmlns:a14="http://schemas.microsoft.com/office/drawing/2010/main" val="0"/>
+                  </a:ext>
+                </a:extLst>
+              </a:blip>
+              <a:srcRect/>
+              <a:stretch>
+                <a:fillRect/>
+              </a:stretch>
+            </p:blipFill>
+            <p:spPr bwMode="auto">
+              <a:xfrm>
+                <a:off x="1066800" y="6172200"/>
+                <a:ext cx="1295400" cy="412740"/>
+              </a:xfrm>
+              <a:prstGeom prst="rect">
+                <a:avLst/>
+              </a:prstGeom>
+              <a:noFill/>
+              <a:extLst>
+                <a:ext uri="{909E8E84-426E-40DD-AFC4-6F175D3DCCD1}">
+                  <a14:hiddenFill xmlns:a14="http://schemas.microsoft.com/office/drawing/2010/main">
+                    <a:solidFill>
+                      <a:srgbClr val="FFFFFF"/>
+                    </a:solidFill>
+                  </a14:hiddenFill>
+                </a:ext>
+              </a:extLst>
+            </p:spPr>
+          </p:pic>
+        </p:grpSp>
+      </p:grpSp>
+    </p:spTree>
+    <p:extLst>
+      <p:ext uri="{BB962C8B-B14F-4D97-AF65-F5344CB8AC3E}">
+        <p14:creationId xmlns:p14="http://schemas.microsoft.com/office/powerpoint/2010/main" val="2314366832"/>
+      </p:ext>
+    </p:extLst>
+  </p:cSld>
+  <p:clrMapOvr>
+    <a:masterClrMapping/>
+  </p:clrMapOvr>
+</p:sld>
+</file>
+
+<file path=ppt/slides/slide11.xml><?xml version="1.0" encoding="utf-8"?>
 <p:sld xmlns:a="http://schemas.openxmlformats.org/drawingml/2006/main" xmlns:r="http://schemas.openxmlformats.org/officeDocument/2006/relationships" xmlns:p="http://schemas.openxmlformats.org/presentationml/2006/main">
   <p:cSld>
     <p:spTree>
@@ -4258,7 +4596,7 @@
                 <a:lstStyle/>
                 <a:p>
                   <a:pPr algn="ctr"/>
-                  <a:endParaRPr lang="en-US"/>
+                  <a:endParaRPr lang="en-US" dirty="0"/>
                 </a:p>
               </p:txBody>
             </p:sp>
@@ -4444,7 +4782,7 @@
                   <a:effectLst/>
                   <a:latin typeface="TrebuchetMS-Bold"/>
                 </a:rPr>
-                <a:t>Jumeau numérique</a:t>
+                <a:t>Digital Twin</a:t>
               </a:r>
               <a:endParaRPr lang="en-US" b="1" dirty="0">
                 <a:latin typeface="TrebuchetMS-Bold"/>
@@ -4592,7 +4930,7 @@
                 <a:lstStyle/>
                 <a:p>
                   <a:pPr algn="ctr"/>
-                  <a:endParaRPr lang="en-US"/>
+                  <a:endParaRPr lang="en-US" dirty="0"/>
                 </a:p>
               </p:txBody>
             </p:sp>
@@ -5081,7 +5419,7 @@
                 <a:lstStyle/>
                 <a:p>
                   <a:pPr algn="ctr"/>
-                  <a:endParaRPr lang="en-US"/>
+                  <a:endParaRPr lang="en-US" dirty="0"/>
                 </a:p>
               </p:txBody>
             </p:sp>
@@ -5270,7 +5608,7 @@
           <a:lstStyle/>
           <a:p>
             <a:pPr algn="ctr"/>
-            <a:endParaRPr lang="en-US">
+            <a:endParaRPr lang="en-US" dirty="0">
               <a:solidFill>
                 <a:srgbClr val="F08A04"/>
               </a:solidFill>
@@ -5326,7 +5664,7 @@
           <a:lstStyle/>
           <a:p>
             <a:pPr algn="ctr"/>
-            <a:endParaRPr lang="en-US"/>
+            <a:endParaRPr lang="en-US" dirty="0"/>
           </a:p>
         </p:txBody>
       </p:sp>
@@ -5378,7 +5716,7 @@
           <a:lstStyle/>
           <a:p>
             <a:pPr algn="ctr"/>
-            <a:endParaRPr lang="en-US"/>
+            <a:endParaRPr lang="en-US" dirty="0"/>
           </a:p>
         </p:txBody>
       </p:sp>
@@ -5430,7 +5768,7 @@
           <a:lstStyle/>
           <a:p>
             <a:pPr algn="ctr"/>
-            <a:endParaRPr lang="en-US"/>
+            <a:endParaRPr lang="en-US" dirty="0"/>
           </a:p>
         </p:txBody>
       </p:sp>
@@ -5620,7 +5958,7 @@
               <a:t>é</a:t>
             </a:r>
             <a:r>
-              <a:rPr lang="fr-FR" sz="2000" noProof="0" dirty="0" err="1">
+              <a:rPr lang="fr-FR" sz="2000" noProof="0" dirty="0">
                 <a:solidFill>
                   <a:srgbClr val="224C5A"/>
                 </a:solidFill>
@@ -5810,37 +6148,7 @@
                   <a:effectLst/>
                   <a:latin typeface="TrebuchetMS-Bold"/>
                 </a:rPr>
-                <a:t>D</a:t>
-              </a:r>
-              <a:r>
-                <a:rPr lang="fr-FR" sz="3600" b="1" i="0" dirty="0">
-                  <a:solidFill>
-                    <a:srgbClr val="22505F"/>
-                  </a:solidFill>
-                  <a:effectLst/>
-                  <a:latin typeface="TrebuchetMS-Bold"/>
-                </a:rPr>
-                <a:t>é</a:t>
-              </a:r>
-              <a:r>
-                <a:rPr lang="en-US" sz="3600" b="1" i="0" dirty="0" err="1">
-                  <a:solidFill>
-                    <a:srgbClr val="22505F"/>
-                  </a:solidFill>
-                  <a:effectLst/>
-                  <a:latin typeface="TrebuchetMS-Bold"/>
-                </a:rPr>
-                <a:t>monstration</a:t>
-              </a:r>
-              <a:r>
-                <a:rPr lang="en-US" sz="3600" b="1" i="0" dirty="0">
-                  <a:solidFill>
-                    <a:srgbClr val="22505F"/>
-                  </a:solidFill>
-                  <a:effectLst/>
-                  <a:latin typeface="TrebuchetMS-Bold"/>
-                </a:rPr>
-                <a:t> – Menu Principal</a:t>
+                <a:t>Demonstration – Main Menu</a:t>
               </a:r>
             </a:p>
           </p:txBody>
@@ -5985,7 +6293,7 @@
                 <a:lstStyle/>
                 <a:p>
                   <a:pPr algn="ctr"/>
-                  <a:endParaRPr lang="en-US"/>
+                  <a:endParaRPr lang="en-US" dirty="0"/>
                 </a:p>
               </p:txBody>
             </p:sp>
@@ -6207,37 +6515,7 @@
                   <a:effectLst/>
                   <a:latin typeface="TrebuchetMS-Bold"/>
                 </a:rPr>
-                <a:t>D</a:t>
-              </a:r>
-              <a:r>
-                <a:rPr lang="fr-FR" sz="3600" b="1" i="0" dirty="0">
-                  <a:solidFill>
-                    <a:srgbClr val="22505F"/>
-                  </a:solidFill>
-                  <a:effectLst/>
-                  <a:latin typeface="TrebuchetMS-Bold"/>
-                </a:rPr>
-                <a:t>é</a:t>
-              </a:r>
-              <a:r>
-                <a:rPr lang="en-US" sz="3600" b="1" i="0" dirty="0" err="1">
-                  <a:solidFill>
-                    <a:srgbClr val="22505F"/>
-                  </a:solidFill>
-                  <a:effectLst/>
-                  <a:latin typeface="TrebuchetMS-Bold"/>
-                </a:rPr>
-                <a:t>monstration</a:t>
-              </a:r>
-              <a:r>
-                <a:rPr lang="en-US" sz="3600" b="1" i="0" dirty="0">
-                  <a:solidFill>
-                    <a:srgbClr val="22505F"/>
-                  </a:solidFill>
-                  <a:effectLst/>
-                  <a:latin typeface="TrebuchetMS-Bold"/>
-                </a:rPr>
-                <a:t> – Menu Principal</a:t>
+                <a:t>Demonstration – Main Menu (Settings)</a:t>
               </a:r>
             </a:p>
           </p:txBody>
@@ -6382,7 +6660,7 @@
                 <a:lstStyle/>
                 <a:p>
                   <a:pPr algn="ctr"/>
-                  <a:endParaRPr lang="en-US"/>
+                  <a:endParaRPr lang="en-US" dirty="0"/>
                 </a:p>
               </p:txBody>
             </p:sp>
@@ -6597,44 +6875,13 @@
             <a:lstStyle/>
             <a:p>
               <a:r>
-                <a:rPr lang="en-US" sz="3600" b="1" i="0" dirty="0">
+                <a:rPr lang="en-US" sz="3600" b="1" dirty="0">
                   <a:solidFill>
                     <a:srgbClr val="22505F"/>
                   </a:solidFill>
-                  <a:effectLst/>
                   <a:latin typeface="TrebuchetMS-Bold"/>
                 </a:rPr>
-                <a:t>D</a:t>
-              </a:r>
-              <a:r>
-                <a:rPr lang="fr-FR" sz="3600" b="1" i="0" dirty="0">
-                  <a:solidFill>
-                    <a:srgbClr val="22505F"/>
-                  </a:solidFill>
-                  <a:effectLst/>
-                  <a:latin typeface="TrebuchetMS-Bold"/>
-                </a:rPr>
-                <a:t>é</a:t>
-              </a:r>
-              <a:r>
-                <a:rPr lang="en-US" sz="3600" b="1" i="0" dirty="0" err="1">
-                  <a:solidFill>
-                    <a:srgbClr val="22505F"/>
-                  </a:solidFill>
-                  <a:effectLst/>
-                  <a:latin typeface="TrebuchetMS-Bold"/>
-                </a:rPr>
-                <a:t>monstration</a:t>
-              </a:r>
-              <a:r>
-                <a:rPr lang="en-US" sz="3600" b="1" i="0" dirty="0">
-                  <a:solidFill>
-                    <a:srgbClr val="22505F"/>
-                  </a:solidFill>
-                  <a:effectLst/>
-                  <a:latin typeface="TrebuchetMS-Bold"/>
-                </a:rPr>
-                <a:t> – Menu Principal</a:t>
+                <a:t>Demonstration – Main Menu (Credits)</a:t>
               </a:r>
             </a:p>
           </p:txBody>
@@ -6779,7 +7026,7 @@
                 <a:lstStyle/>
                 <a:p>
                   <a:pPr algn="ctr"/>
-                  <a:endParaRPr lang="en-US"/>
+                  <a:endParaRPr lang="en-US" dirty="0"/>
                 </a:p>
               </p:txBody>
             </p:sp>
@@ -6994,61 +7241,14 @@
             <a:lstStyle/>
             <a:p>
               <a:r>
-                <a:rPr lang="en-US" sz="3600" b="1" i="0" dirty="0">
-                  <a:solidFill>
-                    <a:srgbClr val="22505F"/>
-                  </a:solidFill>
-                  <a:effectLst/>
-                  <a:latin typeface="TrebuchetMS-Bold"/>
-                </a:rPr>
-                <a:t>D</a:t>
-              </a:r>
-              <a:r>
-                <a:rPr lang="fr-FR" sz="3600" b="1" i="0" dirty="0">
-                  <a:solidFill>
-                    <a:srgbClr val="22505F"/>
-                  </a:solidFill>
-                  <a:effectLst/>
-                  <a:latin typeface="TrebuchetMS-Bold"/>
-                </a:rPr>
-                <a:t>é</a:t>
-              </a:r>
-              <a:r>
-                <a:rPr lang="en-US" sz="3600" b="1" i="0" dirty="0" err="1">
-                  <a:solidFill>
-                    <a:srgbClr val="22505F"/>
-                  </a:solidFill>
-                  <a:effectLst/>
-                  <a:latin typeface="TrebuchetMS-Bold"/>
-                </a:rPr>
-                <a:t>monstration</a:t>
-              </a:r>
-              <a:r>
-                <a:rPr lang="en-US" sz="3600" b="1" i="0" dirty="0">
-                  <a:solidFill>
-                    <a:srgbClr val="22505F"/>
-                  </a:solidFill>
-                  <a:effectLst/>
-                  <a:latin typeface="TrebuchetMS-Bold"/>
-                </a:rPr>
-                <a:t> – </a:t>
-              </a:r>
-              <a:r>
                 <a:rPr lang="en-US" sz="3600" b="1" dirty="0">
                   <a:solidFill>
                     <a:srgbClr val="22505F"/>
                   </a:solidFill>
                   <a:latin typeface="TrebuchetMS-Bold"/>
                 </a:rPr>
-                <a:t>Drilling Mode</a:t>
+                <a:t>Demonstration – Drilling Mode</a:t>
               </a:r>
-              <a:endParaRPr lang="en-US" sz="3600" b="1" i="0" dirty="0">
-                <a:solidFill>
-                  <a:srgbClr val="22505F"/>
-                </a:solidFill>
-                <a:effectLst/>
-                <a:latin typeface="TrebuchetMS-Bold"/>
-              </a:endParaRPr>
             </a:p>
           </p:txBody>
         </p:sp>
@@ -7192,7 +7392,7 @@
                 <a:lstStyle/>
                 <a:p>
                   <a:pPr algn="ctr"/>
-                  <a:endParaRPr lang="en-US"/>
+                  <a:endParaRPr lang="en-US" dirty="0"/>
                 </a:p>
               </p:txBody>
             </p:sp>
@@ -7300,6 +7500,372 @@
 </file>
 
 <file path=ppt/slides/slide8.xml><?xml version="1.0" encoding="utf-8"?>
+<p:sld xmlns:a="http://schemas.openxmlformats.org/drawingml/2006/main" xmlns:r="http://schemas.openxmlformats.org/officeDocument/2006/relationships" xmlns:p="http://schemas.openxmlformats.org/presentationml/2006/main">
+  <p:cSld>
+    <p:spTree>
+      <p:nvGrpSpPr>
+        <p:cNvPr id="1" name="">
+          <a:extLst>
+            <a:ext uri="{FF2B5EF4-FFF2-40B4-BE49-F238E27FC236}">
+              <a16:creationId xmlns:a16="http://schemas.microsoft.com/office/drawing/2014/main" id="{D9A67A12-4E41-23D9-7524-0C26BA4773F2}"/>
+            </a:ext>
+          </a:extLst>
+        </p:cNvPr>
+        <p:cNvGrpSpPr/>
+        <p:nvPr/>
+      </p:nvGrpSpPr>
+      <p:grpSpPr>
+        <a:xfrm>
+          <a:off x="0" y="0"/>
+          <a:ext cx="0" cy="0"/>
+          <a:chOff x="0" y="0"/>
+          <a:chExt cx="0" cy="0"/>
+        </a:xfrm>
+      </p:grpSpPr>
+      <p:grpSp>
+        <p:nvGrpSpPr>
+          <p:cNvPr id="12" name="Group 11">
+            <a:extLst>
+              <a:ext uri="{FF2B5EF4-FFF2-40B4-BE49-F238E27FC236}">
+                <a16:creationId xmlns:a16="http://schemas.microsoft.com/office/drawing/2014/main" id="{CC9A7E56-CBE0-C9F2-67C6-C9D83911E5B2}"/>
+              </a:ext>
+            </a:extLst>
+          </p:cNvPr>
+          <p:cNvGrpSpPr/>
+          <p:nvPr/>
+        </p:nvGrpSpPr>
+        <p:grpSpPr>
+          <a:xfrm>
+            <a:off x="-24384" y="0"/>
+            <a:ext cx="11606784" cy="6858000"/>
+            <a:chOff x="-24384" y="0"/>
+            <a:chExt cx="11606784" cy="6858000"/>
+          </a:xfrm>
+        </p:grpSpPr>
+        <p:sp>
+          <p:nvSpPr>
+            <p:cNvPr id="7" name="TextBox 6">
+              <a:extLst>
+                <a:ext uri="{FF2B5EF4-FFF2-40B4-BE49-F238E27FC236}">
+                  <a16:creationId xmlns:a16="http://schemas.microsoft.com/office/drawing/2014/main" id="{59794870-E6A2-66A7-81F9-6B722209699B}"/>
+                </a:ext>
+              </a:extLst>
+            </p:cNvPr>
+            <p:cNvSpPr txBox="1"/>
+            <p:nvPr/>
+          </p:nvSpPr>
+          <p:spPr>
+            <a:xfrm>
+              <a:off x="1066800" y="476934"/>
+              <a:ext cx="10515600" cy="646331"/>
+            </a:xfrm>
+            <a:prstGeom prst="rect">
+              <a:avLst/>
+            </a:prstGeom>
+            <a:noFill/>
+          </p:spPr>
+          <p:txBody>
+            <a:bodyPr wrap="square">
+              <a:spAutoFit/>
+            </a:bodyPr>
+            <a:lstStyle/>
+            <a:p>
+              <a:r>
+                <a:rPr lang="en-US" sz="3600" b="1" dirty="0">
+                  <a:solidFill>
+                    <a:srgbClr val="22505F"/>
+                  </a:solidFill>
+                  <a:latin typeface="TrebuchetMS-Bold"/>
+                </a:rPr>
+                <a:t>Demonstration – Drilling Mode (Parameters)</a:t>
+              </a:r>
+            </a:p>
+          </p:txBody>
+        </p:sp>
+        <p:grpSp>
+          <p:nvGrpSpPr>
+            <p:cNvPr id="11" name="Group 10">
+              <a:extLst>
+                <a:ext uri="{FF2B5EF4-FFF2-40B4-BE49-F238E27FC236}">
+                  <a16:creationId xmlns:a16="http://schemas.microsoft.com/office/drawing/2014/main" id="{4FB3B7C7-E116-9B8C-78B4-1080962C5F6D}"/>
+                </a:ext>
+              </a:extLst>
+            </p:cNvPr>
+            <p:cNvGrpSpPr/>
+            <p:nvPr/>
+          </p:nvGrpSpPr>
+          <p:grpSpPr>
+            <a:xfrm>
+              <a:off x="-24384" y="0"/>
+              <a:ext cx="11454384" cy="6858000"/>
+              <a:chOff x="-24384" y="0"/>
+              <a:chExt cx="11454384" cy="6858000"/>
+            </a:xfrm>
+          </p:grpSpPr>
+          <p:grpSp>
+            <p:nvGrpSpPr>
+              <p:cNvPr id="10" name="Group 9">
+                <a:extLst>
+                  <a:ext uri="{FF2B5EF4-FFF2-40B4-BE49-F238E27FC236}">
+                    <a16:creationId xmlns:a16="http://schemas.microsoft.com/office/drawing/2014/main" id="{F6E50BD4-36CC-3026-59DC-51DADCF7CB84}"/>
+                  </a:ext>
+                </a:extLst>
+              </p:cNvPr>
+              <p:cNvGrpSpPr/>
+              <p:nvPr/>
+            </p:nvGrpSpPr>
+            <p:grpSpPr>
+              <a:xfrm>
+                <a:off x="-24384" y="0"/>
+                <a:ext cx="228600" cy="6858000"/>
+                <a:chOff x="-24384" y="0"/>
+                <a:chExt cx="228600" cy="6858000"/>
+              </a:xfrm>
+            </p:grpSpPr>
+            <p:sp>
+              <p:nvSpPr>
+                <p:cNvPr id="4" name="Rectangle 3">
+                  <a:extLst>
+                    <a:ext uri="{FF2B5EF4-FFF2-40B4-BE49-F238E27FC236}">
+                      <a16:creationId xmlns:a16="http://schemas.microsoft.com/office/drawing/2014/main" id="{7A66C10B-1015-F0DF-74F5-CD508EBF1969}"/>
+                    </a:ext>
+                  </a:extLst>
+                </p:cNvPr>
+                <p:cNvSpPr/>
+                <p:nvPr/>
+              </p:nvSpPr>
+              <p:spPr>
+                <a:xfrm>
+                  <a:off x="-24384" y="1600200"/>
+                  <a:ext cx="228600" cy="5257800"/>
+                </a:xfrm>
+                <a:prstGeom prst="rect">
+                  <a:avLst/>
+                </a:prstGeom>
+                <a:solidFill>
+                  <a:srgbClr val="224C5A"/>
+                </a:solidFill>
+                <a:ln>
+                  <a:noFill/>
+                </a:ln>
+              </p:spPr>
+              <p:style>
+                <a:lnRef idx="2">
+                  <a:schemeClr val="accent1">
+                    <a:shade val="15000"/>
+                  </a:schemeClr>
+                </a:lnRef>
+                <a:fillRef idx="1">
+                  <a:schemeClr val="accent1"/>
+                </a:fillRef>
+                <a:effectRef idx="0">
+                  <a:schemeClr val="accent1"/>
+                </a:effectRef>
+                <a:fontRef idx="minor">
+                  <a:schemeClr val="lt1"/>
+                </a:fontRef>
+              </p:style>
+              <p:txBody>
+                <a:bodyPr rtlCol="0" anchor="ctr"/>
+                <a:lstStyle/>
+                <a:p>
+                  <a:pPr algn="ctr"/>
+                  <a:endParaRPr lang="en-US" dirty="0"/>
+                </a:p>
+              </p:txBody>
+            </p:sp>
+            <p:sp>
+              <p:nvSpPr>
+                <p:cNvPr id="5" name="Rectangle 4">
+                  <a:extLst>
+                    <a:ext uri="{FF2B5EF4-FFF2-40B4-BE49-F238E27FC236}">
+                      <a16:creationId xmlns:a16="http://schemas.microsoft.com/office/drawing/2014/main" id="{B87B3C78-135D-921C-AA21-B4F68365AD0A}"/>
+                    </a:ext>
+                  </a:extLst>
+                </p:cNvPr>
+                <p:cNvSpPr/>
+                <p:nvPr/>
+              </p:nvSpPr>
+              <p:spPr>
+                <a:xfrm>
+                  <a:off x="-24384" y="0"/>
+                  <a:ext cx="228600" cy="1600200"/>
+                </a:xfrm>
+                <a:prstGeom prst="rect">
+                  <a:avLst/>
+                </a:prstGeom>
+                <a:solidFill>
+                  <a:srgbClr val="F08A04"/>
+                </a:solidFill>
+                <a:ln>
+                  <a:noFill/>
+                </a:ln>
+              </p:spPr>
+              <p:style>
+                <a:lnRef idx="2">
+                  <a:schemeClr val="accent1">
+                    <a:shade val="15000"/>
+                  </a:schemeClr>
+                </a:lnRef>
+                <a:fillRef idx="1">
+                  <a:schemeClr val="accent1"/>
+                </a:fillRef>
+                <a:effectRef idx="0">
+                  <a:schemeClr val="accent1"/>
+                </a:effectRef>
+                <a:fontRef idx="minor">
+                  <a:schemeClr val="lt1"/>
+                </a:fontRef>
+              </p:style>
+              <p:txBody>
+                <a:bodyPr rtlCol="0" anchor="ctr"/>
+                <a:lstStyle/>
+                <a:p>
+                  <a:pPr algn="ctr"/>
+                  <a:endParaRPr lang="en-US" dirty="0"/>
+                </a:p>
+              </p:txBody>
+            </p:sp>
+          </p:grpSp>
+          <p:sp>
+            <p:nvSpPr>
+              <p:cNvPr id="9" name="TextBox 8">
+                <a:extLst>
+                  <a:ext uri="{FF2B5EF4-FFF2-40B4-BE49-F238E27FC236}">
+                    <a16:creationId xmlns:a16="http://schemas.microsoft.com/office/drawing/2014/main" id="{ADEE5893-0DB0-A722-C000-E00A89B78F50}"/>
+                  </a:ext>
+                </a:extLst>
+              </p:cNvPr>
+              <p:cNvSpPr txBox="1"/>
+              <p:nvPr/>
+            </p:nvSpPr>
+            <p:spPr>
+              <a:xfrm>
+                <a:off x="10668000" y="6172200"/>
+                <a:ext cx="762000" cy="369332"/>
+              </a:xfrm>
+              <a:prstGeom prst="rect">
+                <a:avLst/>
+              </a:prstGeom>
+              <a:noFill/>
+            </p:spPr>
+            <p:txBody>
+              <a:bodyPr wrap="square" rtlCol="0">
+                <a:spAutoFit/>
+              </a:bodyPr>
+              <a:lstStyle/>
+              <a:p>
+                <a:r>
+                  <a:rPr lang="en-US" dirty="0">
+                    <a:solidFill>
+                      <a:srgbClr val="F08A04"/>
+                    </a:solidFill>
+                    <a:latin typeface="TrebuchetMS-Bold"/>
+                  </a:rPr>
+                  <a:t>|page</a:t>
+                </a:r>
+              </a:p>
+            </p:txBody>
+          </p:sp>
+          <p:pic>
+            <p:nvPicPr>
+              <p:cNvPr id="1026" name="Picture 2" descr="Logo de Saipem aux formats PNG transparent et SVG vectorisé">
+                <a:extLst>
+                  <a:ext uri="{FF2B5EF4-FFF2-40B4-BE49-F238E27FC236}">
+                    <a16:creationId xmlns:a16="http://schemas.microsoft.com/office/drawing/2014/main" id="{5F784005-C2C4-575C-548F-D4A36FC245B5}"/>
+                  </a:ext>
+                </a:extLst>
+              </p:cNvPr>
+              <p:cNvPicPr>
+                <a:picLocks noChangeAspect="1" noChangeArrowheads="1"/>
+              </p:cNvPicPr>
+              <p:nvPr/>
+            </p:nvPicPr>
+            <p:blipFill>
+              <a:blip r:embed="rId2">
+                <a:extLst>
+                  <a:ext uri="{28A0092B-C50C-407E-A947-70E740481C1C}">
+                    <a14:useLocalDpi xmlns:a14="http://schemas.microsoft.com/office/drawing/2010/main" val="0"/>
+                  </a:ext>
+                </a:extLst>
+              </a:blip>
+              <a:srcRect/>
+              <a:stretch>
+                <a:fillRect/>
+              </a:stretch>
+            </p:blipFill>
+            <p:spPr bwMode="auto">
+              <a:xfrm>
+                <a:off x="1066800" y="6172200"/>
+                <a:ext cx="1295400" cy="412740"/>
+              </a:xfrm>
+              <a:prstGeom prst="rect">
+                <a:avLst/>
+              </a:prstGeom>
+              <a:noFill/>
+              <a:extLst>
+                <a:ext uri="{909E8E84-426E-40DD-AFC4-6F175D3DCCD1}">
+                  <a14:hiddenFill xmlns:a14="http://schemas.microsoft.com/office/drawing/2010/main">
+                    <a:solidFill>
+                      <a:srgbClr val="FFFFFF"/>
+                    </a:solidFill>
+                  </a14:hiddenFill>
+                </a:ext>
+              </a:extLst>
+            </p:spPr>
+          </p:pic>
+        </p:grpSp>
+      </p:grpSp>
+      <p:pic>
+        <p:nvPicPr>
+          <p:cNvPr id="3" name="Picture 2" descr="A screenshot of a computer&#10;&#10;AI-generated content may be incorrect.">
+            <a:extLst>
+              <a:ext uri="{FF2B5EF4-FFF2-40B4-BE49-F238E27FC236}">
+                <a16:creationId xmlns:a16="http://schemas.microsoft.com/office/drawing/2014/main" id="{3F5936AD-B9AC-A8E5-32D8-5D5C852AC30B}"/>
+              </a:ext>
+            </a:extLst>
+          </p:cNvPr>
+          <p:cNvPicPr>
+            <a:picLocks noChangeAspect="1"/>
+          </p:cNvPicPr>
+          <p:nvPr/>
+        </p:nvPicPr>
+        <p:blipFill>
+          <a:blip r:embed="rId3">
+            <a:extLst>
+              <a:ext uri="{28A0092B-C50C-407E-A947-70E740481C1C}">
+                <a14:useLocalDpi xmlns:a14="http://schemas.microsoft.com/office/drawing/2010/main" val="0"/>
+              </a:ext>
+            </a:extLst>
+          </a:blip>
+          <a:stretch>
+            <a:fillRect/>
+          </a:stretch>
+        </p:blipFill>
+        <p:spPr>
+          <a:xfrm>
+            <a:off x="1714499" y="1123265"/>
+            <a:ext cx="8624401" cy="4849259"/>
+          </a:xfrm>
+          <a:prstGeom prst="rect">
+            <a:avLst/>
+          </a:prstGeom>
+        </p:spPr>
+      </p:pic>
+    </p:spTree>
+    <p:extLst>
+      <p:ext uri="{BB962C8B-B14F-4D97-AF65-F5344CB8AC3E}">
+        <p14:creationId xmlns:p14="http://schemas.microsoft.com/office/powerpoint/2010/main" val="1720279375"/>
+      </p:ext>
+    </p:extLst>
+  </p:cSld>
+  <p:clrMapOvr>
+    <a:masterClrMapping/>
+  </p:clrMapOvr>
+</p:sld>
+</file>
+
+<file path=ppt/slides/slide9.xml><?xml version="1.0" encoding="utf-8"?>
 <p:sld xmlns:a="http://schemas.openxmlformats.org/drawingml/2006/main" xmlns:r="http://schemas.openxmlformats.org/officeDocument/2006/relationships" xmlns:p="http://schemas.openxmlformats.org/presentationml/2006/main">
   <p:cSld>
     <p:spTree>
@@ -7569,7 +8135,7 @@
                 <a:lstStyle/>
                 <a:p>
                   <a:pPr algn="ctr"/>
-                  <a:endParaRPr lang="en-US"/>
+                  <a:endParaRPr lang="en-US" dirty="0"/>
                 </a:p>
               </p:txBody>
             </p:sp>
@@ -7667,343 +8233,6 @@
     <p:extLst>
       <p:ext uri="{BB962C8B-B14F-4D97-AF65-F5344CB8AC3E}">
         <p14:creationId xmlns:p14="http://schemas.microsoft.com/office/powerpoint/2010/main" val="2601937449"/>
-      </p:ext>
-    </p:extLst>
-  </p:cSld>
-  <p:clrMapOvr>
-    <a:masterClrMapping/>
-  </p:clrMapOvr>
-</p:sld>
-</file>
-
-<file path=ppt/slides/slide9.xml><?xml version="1.0" encoding="utf-8"?>
-<p:sld xmlns:a="http://schemas.openxmlformats.org/drawingml/2006/main" xmlns:r="http://schemas.openxmlformats.org/officeDocument/2006/relationships" xmlns:p="http://schemas.openxmlformats.org/presentationml/2006/main">
-  <p:cSld>
-    <p:spTree>
-      <p:nvGrpSpPr>
-        <p:cNvPr id="1" name="">
-          <a:extLst>
-            <a:ext uri="{FF2B5EF4-FFF2-40B4-BE49-F238E27FC236}">
-              <a16:creationId xmlns:a16="http://schemas.microsoft.com/office/drawing/2014/main" id="{513408C0-3DA0-531A-2F9A-797500CCED73}"/>
-            </a:ext>
-          </a:extLst>
-        </p:cNvPr>
-        <p:cNvGrpSpPr/>
-        <p:nvPr/>
-      </p:nvGrpSpPr>
-      <p:grpSpPr>
-        <a:xfrm>
-          <a:off x="0" y="0"/>
-          <a:ext cx="0" cy="0"/>
-          <a:chOff x="0" y="0"/>
-          <a:chExt cx="0" cy="0"/>
-        </a:xfrm>
-      </p:grpSpPr>
-      <p:grpSp>
-        <p:nvGrpSpPr>
-          <p:cNvPr id="12" name="Group 11">
-            <a:extLst>
-              <a:ext uri="{FF2B5EF4-FFF2-40B4-BE49-F238E27FC236}">
-                <a16:creationId xmlns:a16="http://schemas.microsoft.com/office/drawing/2014/main" id="{16540CA8-DE5F-3DCE-8739-7D6DA7E8B93D}"/>
-              </a:ext>
-            </a:extLst>
-          </p:cNvPr>
-          <p:cNvGrpSpPr/>
-          <p:nvPr/>
-        </p:nvGrpSpPr>
-        <p:grpSpPr>
-          <a:xfrm>
-            <a:off x="-24384" y="0"/>
-            <a:ext cx="11606784" cy="6858000"/>
-            <a:chOff x="-24384" y="0"/>
-            <a:chExt cx="11606784" cy="6858000"/>
-          </a:xfrm>
-        </p:grpSpPr>
-        <p:sp>
-          <p:nvSpPr>
-            <p:cNvPr id="7" name="TextBox 6">
-              <a:extLst>
-                <a:ext uri="{FF2B5EF4-FFF2-40B4-BE49-F238E27FC236}">
-                  <a16:creationId xmlns:a16="http://schemas.microsoft.com/office/drawing/2014/main" id="{C0913D10-F98B-DC22-526B-B070B042C105}"/>
-                </a:ext>
-              </a:extLst>
-            </p:cNvPr>
-            <p:cNvSpPr txBox="1"/>
-            <p:nvPr/>
-          </p:nvSpPr>
-          <p:spPr>
-            <a:xfrm>
-              <a:off x="1066800" y="476934"/>
-              <a:ext cx="10515600" cy="646331"/>
-            </a:xfrm>
-            <a:prstGeom prst="rect">
-              <a:avLst/>
-            </a:prstGeom>
-            <a:noFill/>
-          </p:spPr>
-          <p:txBody>
-            <a:bodyPr wrap="square">
-              <a:spAutoFit/>
-            </a:bodyPr>
-            <a:lstStyle/>
-            <a:p>
-              <a:r>
-                <a:rPr lang="fr-FR" sz="3600" b="1" noProof="0" dirty="0">
-                  <a:solidFill>
-                    <a:srgbClr val="22505F"/>
-                  </a:solidFill>
-                  <a:latin typeface="TrebuchetMS-Bold"/>
-                </a:rPr>
-                <a:t>Manuel d’utilisation</a:t>
-              </a:r>
-              <a:endParaRPr lang="fr-FR" sz="3600" b="1" i="0" noProof="0" dirty="0">
-                <a:solidFill>
-                  <a:srgbClr val="22505F"/>
-                </a:solidFill>
-                <a:effectLst/>
-                <a:latin typeface="TrebuchetMS-Bold"/>
-              </a:endParaRPr>
-            </a:p>
-          </p:txBody>
-        </p:sp>
-        <p:grpSp>
-          <p:nvGrpSpPr>
-            <p:cNvPr id="11" name="Group 10">
-              <a:extLst>
-                <a:ext uri="{FF2B5EF4-FFF2-40B4-BE49-F238E27FC236}">
-                  <a16:creationId xmlns:a16="http://schemas.microsoft.com/office/drawing/2014/main" id="{51BBEA04-0E63-6DB0-71C9-44D9C7F94731}"/>
-                </a:ext>
-              </a:extLst>
-            </p:cNvPr>
-            <p:cNvGrpSpPr/>
-            <p:nvPr/>
-          </p:nvGrpSpPr>
-          <p:grpSpPr>
-            <a:xfrm>
-              <a:off x="-24384" y="0"/>
-              <a:ext cx="11454384" cy="6858000"/>
-              <a:chOff x="-24384" y="0"/>
-              <a:chExt cx="11454384" cy="6858000"/>
-            </a:xfrm>
-          </p:grpSpPr>
-          <p:grpSp>
-            <p:nvGrpSpPr>
-              <p:cNvPr id="10" name="Group 9">
-                <a:extLst>
-                  <a:ext uri="{FF2B5EF4-FFF2-40B4-BE49-F238E27FC236}">
-                    <a16:creationId xmlns:a16="http://schemas.microsoft.com/office/drawing/2014/main" id="{80F59F79-DFA2-1306-BDF7-AEE17A2D0C22}"/>
-                  </a:ext>
-                </a:extLst>
-              </p:cNvPr>
-              <p:cNvGrpSpPr/>
-              <p:nvPr/>
-            </p:nvGrpSpPr>
-            <p:grpSpPr>
-              <a:xfrm>
-                <a:off x="-24384" y="0"/>
-                <a:ext cx="228600" cy="6858000"/>
-                <a:chOff x="-24384" y="0"/>
-                <a:chExt cx="228600" cy="6858000"/>
-              </a:xfrm>
-            </p:grpSpPr>
-            <p:sp>
-              <p:nvSpPr>
-                <p:cNvPr id="4" name="Rectangle 3">
-                  <a:extLst>
-                    <a:ext uri="{FF2B5EF4-FFF2-40B4-BE49-F238E27FC236}">
-                      <a16:creationId xmlns:a16="http://schemas.microsoft.com/office/drawing/2014/main" id="{C598D20F-F431-E3EE-22E7-F884ECB2D14B}"/>
-                    </a:ext>
-                  </a:extLst>
-                </p:cNvPr>
-                <p:cNvSpPr/>
-                <p:nvPr/>
-              </p:nvSpPr>
-              <p:spPr>
-                <a:xfrm>
-                  <a:off x="-24384" y="1600200"/>
-                  <a:ext cx="228600" cy="5257800"/>
-                </a:xfrm>
-                <a:prstGeom prst="rect">
-                  <a:avLst/>
-                </a:prstGeom>
-                <a:solidFill>
-                  <a:srgbClr val="224C5A"/>
-                </a:solidFill>
-                <a:ln>
-                  <a:noFill/>
-                </a:ln>
-              </p:spPr>
-              <p:style>
-                <a:lnRef idx="2">
-                  <a:schemeClr val="accent1">
-                    <a:shade val="15000"/>
-                  </a:schemeClr>
-                </a:lnRef>
-                <a:fillRef idx="1">
-                  <a:schemeClr val="accent1"/>
-                </a:fillRef>
-                <a:effectRef idx="0">
-                  <a:schemeClr val="accent1"/>
-                </a:effectRef>
-                <a:fontRef idx="minor">
-                  <a:schemeClr val="lt1"/>
-                </a:fontRef>
-              </p:style>
-              <p:txBody>
-                <a:bodyPr rtlCol="0" anchor="ctr"/>
-                <a:lstStyle/>
-                <a:p>
-                  <a:pPr algn="ctr"/>
-                  <a:endParaRPr lang="en-US" dirty="0"/>
-                </a:p>
-              </p:txBody>
-            </p:sp>
-            <p:sp>
-              <p:nvSpPr>
-                <p:cNvPr id="5" name="Rectangle 4">
-                  <a:extLst>
-                    <a:ext uri="{FF2B5EF4-FFF2-40B4-BE49-F238E27FC236}">
-                      <a16:creationId xmlns:a16="http://schemas.microsoft.com/office/drawing/2014/main" id="{154B7FFB-CD19-1A38-4293-0D0D7A2B5ABF}"/>
-                    </a:ext>
-                  </a:extLst>
-                </p:cNvPr>
-                <p:cNvSpPr/>
-                <p:nvPr/>
-              </p:nvSpPr>
-              <p:spPr>
-                <a:xfrm>
-                  <a:off x="-24384" y="0"/>
-                  <a:ext cx="228600" cy="1600200"/>
-                </a:xfrm>
-                <a:prstGeom prst="rect">
-                  <a:avLst/>
-                </a:prstGeom>
-                <a:solidFill>
-                  <a:srgbClr val="F08A04"/>
-                </a:solidFill>
-                <a:ln>
-                  <a:noFill/>
-                </a:ln>
-              </p:spPr>
-              <p:style>
-                <a:lnRef idx="2">
-                  <a:schemeClr val="accent1">
-                    <a:shade val="15000"/>
-                  </a:schemeClr>
-                </a:lnRef>
-                <a:fillRef idx="1">
-                  <a:schemeClr val="accent1"/>
-                </a:fillRef>
-                <a:effectRef idx="0">
-                  <a:schemeClr val="accent1"/>
-                </a:effectRef>
-                <a:fontRef idx="minor">
-                  <a:schemeClr val="lt1"/>
-                </a:fontRef>
-              </p:style>
-              <p:txBody>
-                <a:bodyPr rtlCol="0" anchor="ctr"/>
-                <a:lstStyle/>
-                <a:p>
-                  <a:pPr algn="ctr"/>
-                  <a:endParaRPr lang="en-US"/>
-                </a:p>
-              </p:txBody>
-            </p:sp>
-          </p:grpSp>
-          <p:sp>
-            <p:nvSpPr>
-              <p:cNvPr id="9" name="TextBox 8">
-                <a:extLst>
-                  <a:ext uri="{FF2B5EF4-FFF2-40B4-BE49-F238E27FC236}">
-                    <a16:creationId xmlns:a16="http://schemas.microsoft.com/office/drawing/2014/main" id="{2DE335B7-7001-1A2A-DC3B-45B4F4530D0B}"/>
-                  </a:ext>
-                </a:extLst>
-              </p:cNvPr>
-              <p:cNvSpPr txBox="1"/>
-              <p:nvPr/>
-            </p:nvSpPr>
-            <p:spPr>
-              <a:xfrm>
-                <a:off x="10668000" y="6172200"/>
-                <a:ext cx="762000" cy="369332"/>
-              </a:xfrm>
-              <a:prstGeom prst="rect">
-                <a:avLst/>
-              </a:prstGeom>
-              <a:noFill/>
-            </p:spPr>
-            <p:txBody>
-              <a:bodyPr wrap="square" rtlCol="0">
-                <a:spAutoFit/>
-              </a:bodyPr>
-              <a:lstStyle/>
-              <a:p>
-                <a:r>
-                  <a:rPr lang="en-US" dirty="0">
-                    <a:solidFill>
-                      <a:srgbClr val="F08A04"/>
-                    </a:solidFill>
-                    <a:latin typeface="TrebuchetMS-Bold"/>
-                  </a:rPr>
-                  <a:t>|page</a:t>
-                </a:r>
-              </a:p>
-            </p:txBody>
-          </p:sp>
-          <p:pic>
-            <p:nvPicPr>
-              <p:cNvPr id="1026" name="Picture 2" descr="Logo de Saipem aux formats PNG transparent et SVG vectorisé">
-                <a:extLst>
-                  <a:ext uri="{FF2B5EF4-FFF2-40B4-BE49-F238E27FC236}">
-                    <a16:creationId xmlns:a16="http://schemas.microsoft.com/office/drawing/2014/main" id="{C0123F78-18C7-8D66-477D-218F762C26A6}"/>
-                  </a:ext>
-                </a:extLst>
-              </p:cNvPr>
-              <p:cNvPicPr>
-                <a:picLocks noChangeAspect="1" noChangeArrowheads="1"/>
-              </p:cNvPicPr>
-              <p:nvPr/>
-            </p:nvPicPr>
-            <p:blipFill>
-              <a:blip r:embed="rId2">
-                <a:extLst>
-                  <a:ext uri="{28A0092B-C50C-407E-A947-70E740481C1C}">
-                    <a14:useLocalDpi xmlns:a14="http://schemas.microsoft.com/office/drawing/2010/main" val="0"/>
-                  </a:ext>
-                </a:extLst>
-              </a:blip>
-              <a:srcRect/>
-              <a:stretch>
-                <a:fillRect/>
-              </a:stretch>
-            </p:blipFill>
-            <p:spPr bwMode="auto">
-              <a:xfrm>
-                <a:off x="1066800" y="6172200"/>
-                <a:ext cx="1295400" cy="412740"/>
-              </a:xfrm>
-              <a:prstGeom prst="rect">
-                <a:avLst/>
-              </a:prstGeom>
-              <a:noFill/>
-              <a:extLst>
-                <a:ext uri="{909E8E84-426E-40DD-AFC4-6F175D3DCCD1}">
-                  <a14:hiddenFill xmlns:a14="http://schemas.microsoft.com/office/drawing/2010/main">
-                    <a:solidFill>
-                      <a:srgbClr val="FFFFFF"/>
-                    </a:solidFill>
-                  </a14:hiddenFill>
-                </a:ext>
-              </a:extLst>
-            </p:spPr>
-          </p:pic>
-        </p:grpSp>
-      </p:grpSp>
-    </p:spTree>
-    <p:extLst>
-      <p:ext uri="{BB962C8B-B14F-4D97-AF65-F5344CB8AC3E}">
-        <p14:creationId xmlns:p14="http://schemas.microsoft.com/office/powerpoint/2010/main" val="2314366832"/>
       </p:ext>
     </p:extLst>
   </p:cSld>
